--- a/UI.pptx
+++ b/UI.pptx
@@ -262,7 +262,7 @@
           <a:p>
             <a:fld id="{09850A1F-9877-4EC3-8E04-4C1F957B810E}" type="datetimeFigureOut">
               <a:rPr lang="es-MX" smtClean="0"/>
-              <a:t>19/11/2019</a:t>
+              <a:t>21/11/2019</a:t>
             </a:fld>
             <a:endParaRPr lang="es-MX"/>
           </a:p>
@@ -462,7 +462,7 @@
           <a:p>
             <a:fld id="{09850A1F-9877-4EC3-8E04-4C1F957B810E}" type="datetimeFigureOut">
               <a:rPr lang="es-MX" smtClean="0"/>
-              <a:t>19/11/2019</a:t>
+              <a:t>21/11/2019</a:t>
             </a:fld>
             <a:endParaRPr lang="es-MX"/>
           </a:p>
@@ -672,7 +672,7 @@
           <a:p>
             <a:fld id="{09850A1F-9877-4EC3-8E04-4C1F957B810E}" type="datetimeFigureOut">
               <a:rPr lang="es-MX" smtClean="0"/>
-              <a:t>19/11/2019</a:t>
+              <a:t>21/11/2019</a:t>
             </a:fld>
             <a:endParaRPr lang="es-MX"/>
           </a:p>
@@ -872,7 +872,7 @@
           <a:p>
             <a:fld id="{09850A1F-9877-4EC3-8E04-4C1F957B810E}" type="datetimeFigureOut">
               <a:rPr lang="es-MX" smtClean="0"/>
-              <a:t>19/11/2019</a:t>
+              <a:t>21/11/2019</a:t>
             </a:fld>
             <a:endParaRPr lang="es-MX"/>
           </a:p>
@@ -1148,7 +1148,7 @@
           <a:p>
             <a:fld id="{09850A1F-9877-4EC3-8E04-4C1F957B810E}" type="datetimeFigureOut">
               <a:rPr lang="es-MX" smtClean="0"/>
-              <a:t>19/11/2019</a:t>
+              <a:t>21/11/2019</a:t>
             </a:fld>
             <a:endParaRPr lang="es-MX"/>
           </a:p>
@@ -1416,7 +1416,7 @@
           <a:p>
             <a:fld id="{09850A1F-9877-4EC3-8E04-4C1F957B810E}" type="datetimeFigureOut">
               <a:rPr lang="es-MX" smtClean="0"/>
-              <a:t>19/11/2019</a:t>
+              <a:t>21/11/2019</a:t>
             </a:fld>
             <a:endParaRPr lang="es-MX"/>
           </a:p>
@@ -1831,7 +1831,7 @@
           <a:p>
             <a:fld id="{09850A1F-9877-4EC3-8E04-4C1F957B810E}" type="datetimeFigureOut">
               <a:rPr lang="es-MX" smtClean="0"/>
-              <a:t>19/11/2019</a:t>
+              <a:t>21/11/2019</a:t>
             </a:fld>
             <a:endParaRPr lang="es-MX"/>
           </a:p>
@@ -1973,7 +1973,7 @@
           <a:p>
             <a:fld id="{09850A1F-9877-4EC3-8E04-4C1F957B810E}" type="datetimeFigureOut">
               <a:rPr lang="es-MX" smtClean="0"/>
-              <a:t>19/11/2019</a:t>
+              <a:t>21/11/2019</a:t>
             </a:fld>
             <a:endParaRPr lang="es-MX"/>
           </a:p>
@@ -2086,7 +2086,7 @@
           <a:p>
             <a:fld id="{09850A1F-9877-4EC3-8E04-4C1F957B810E}" type="datetimeFigureOut">
               <a:rPr lang="es-MX" smtClean="0"/>
-              <a:t>19/11/2019</a:t>
+              <a:t>21/11/2019</a:t>
             </a:fld>
             <a:endParaRPr lang="es-MX"/>
           </a:p>
@@ -2399,7 +2399,7 @@
           <a:p>
             <a:fld id="{09850A1F-9877-4EC3-8E04-4C1F957B810E}" type="datetimeFigureOut">
               <a:rPr lang="es-MX" smtClean="0"/>
-              <a:t>19/11/2019</a:t>
+              <a:t>21/11/2019</a:t>
             </a:fld>
             <a:endParaRPr lang="es-MX"/>
           </a:p>
@@ -2688,7 +2688,7 @@
           <a:p>
             <a:fld id="{09850A1F-9877-4EC3-8E04-4C1F957B810E}" type="datetimeFigureOut">
               <a:rPr lang="es-MX" smtClean="0"/>
-              <a:t>19/11/2019</a:t>
+              <a:t>21/11/2019</a:t>
             </a:fld>
             <a:endParaRPr lang="es-MX"/>
           </a:p>
@@ -2931,7 +2931,7 @@
           <a:p>
             <a:fld id="{09850A1F-9877-4EC3-8E04-4C1F957B810E}" type="datetimeFigureOut">
               <a:rPr lang="es-MX" smtClean="0"/>
-              <a:t>19/11/2019</a:t>
+              <a:t>21/11/2019</a:t>
             </a:fld>
             <a:endParaRPr lang="es-MX"/>
           </a:p>
@@ -3363,7 +3363,7 @@
         <p:spPr>
           <a:xfrm>
             <a:off x="3333800" y="464232"/>
-            <a:ext cx="8102987" cy="4304714"/>
+            <a:ext cx="3943643" cy="4304714"/>
           </a:xfrm>
           <a:prstGeom prst="rect">
             <a:avLst/>
@@ -3713,12 +3713,331 @@
           </a:p>
         </p:txBody>
       </p:sp>
+      <p:sp>
+        <p:nvSpPr>
+          <p:cNvPr id="18" name="CuadroTexto 17">
+            <a:extLst>
+              <a:ext uri="{FF2B5EF4-FFF2-40B4-BE49-F238E27FC236}">
+                <a16:creationId xmlns:a16="http://schemas.microsoft.com/office/drawing/2014/main" id="{F663D0BE-518D-4C48-A1A9-7C8962724C13}"/>
+              </a:ext>
+            </a:extLst>
+          </p:cNvPr>
+          <p:cNvSpPr txBox="1"/>
+          <p:nvPr/>
+        </p:nvSpPr>
+        <p:spPr>
+          <a:xfrm>
+            <a:off x="4570484" y="1842945"/>
+            <a:ext cx="1470274" cy="307777"/>
+          </a:xfrm>
+          <a:prstGeom prst="rect">
+            <a:avLst/>
+          </a:prstGeom>
+          <a:noFill/>
+        </p:spPr>
+        <p:txBody>
+          <a:bodyPr wrap="none" rtlCol="0">
+            <a:spAutoFit/>
+          </a:bodyPr>
+          <a:lstStyle/>
+          <a:p>
+            <a:r>
+              <a:rPr lang="es-MX" sz="1400" dirty="0">
+                <a:solidFill>
+                  <a:srgbClr val="424242"/>
+                </a:solidFill>
+                <a:latin typeface="Roboto" pitchFamily="2" charset="0"/>
+                <a:ea typeface="Roboto" pitchFamily="2" charset="0"/>
+              </a:rPr>
+              <a:t>INICIAR SESION</a:t>
+            </a:r>
+          </a:p>
+        </p:txBody>
+      </p:sp>
+      <p:sp>
+        <p:nvSpPr>
+          <p:cNvPr id="19" name="Rectángulo 18">
+            <a:extLst>
+              <a:ext uri="{FF2B5EF4-FFF2-40B4-BE49-F238E27FC236}">
+                <a16:creationId xmlns:a16="http://schemas.microsoft.com/office/drawing/2014/main" id="{11795FA5-BEEE-458E-9C31-A5D24A1AA9FF}"/>
+              </a:ext>
+            </a:extLst>
+          </p:cNvPr>
+          <p:cNvSpPr/>
+          <p:nvPr/>
+        </p:nvSpPr>
+        <p:spPr>
+          <a:xfrm>
+            <a:off x="4462074" y="2283950"/>
+            <a:ext cx="862614" cy="238539"/>
+          </a:xfrm>
+          <a:prstGeom prst="rect">
+            <a:avLst/>
+          </a:prstGeom>
+          <a:ln>
+            <a:solidFill>
+              <a:srgbClr val="005CB9"/>
+            </a:solidFill>
+          </a:ln>
+        </p:spPr>
+        <p:style>
+          <a:lnRef idx="2">
+            <a:schemeClr val="accent6"/>
+          </a:lnRef>
+          <a:fillRef idx="1">
+            <a:schemeClr val="lt1"/>
+          </a:fillRef>
+          <a:effectRef idx="0">
+            <a:schemeClr val="accent6"/>
+          </a:effectRef>
+          <a:fontRef idx="minor">
+            <a:schemeClr val="dk1"/>
+          </a:fontRef>
+        </p:style>
+        <p:txBody>
+          <a:bodyPr rtlCol="0" anchor="ctr"/>
+          <a:lstStyle/>
+          <a:p>
+            <a:pPr algn="ctr"/>
+            <a:endParaRPr lang="es-MX"/>
+          </a:p>
+        </p:txBody>
+      </p:sp>
+      <p:sp>
+        <p:nvSpPr>
+          <p:cNvPr id="20" name="Rectángulo 19">
+            <a:extLst>
+              <a:ext uri="{FF2B5EF4-FFF2-40B4-BE49-F238E27FC236}">
+                <a16:creationId xmlns:a16="http://schemas.microsoft.com/office/drawing/2014/main" id="{DC6A62C2-F01D-4A0B-9DDF-F39341CE1C34}"/>
+              </a:ext>
+            </a:extLst>
+          </p:cNvPr>
+          <p:cNvSpPr/>
+          <p:nvPr/>
+        </p:nvSpPr>
+        <p:spPr>
+          <a:xfrm>
+            <a:off x="5321805" y="2283950"/>
+            <a:ext cx="862614" cy="238539"/>
+          </a:xfrm>
+          <a:prstGeom prst="rect">
+            <a:avLst/>
+          </a:prstGeom>
+          <a:ln>
+            <a:solidFill>
+              <a:srgbClr val="005CB9"/>
+            </a:solidFill>
+          </a:ln>
+        </p:spPr>
+        <p:style>
+          <a:lnRef idx="2">
+            <a:schemeClr val="accent6"/>
+          </a:lnRef>
+          <a:fillRef idx="1">
+            <a:schemeClr val="lt1"/>
+          </a:fillRef>
+          <a:effectRef idx="0">
+            <a:schemeClr val="accent6"/>
+          </a:effectRef>
+          <a:fontRef idx="minor">
+            <a:schemeClr val="dk1"/>
+          </a:fontRef>
+        </p:style>
+        <p:txBody>
+          <a:bodyPr rtlCol="0" anchor="ctr"/>
+          <a:lstStyle/>
+          <a:p>
+            <a:pPr algn="ctr"/>
+            <a:endParaRPr lang="es-MX"/>
+          </a:p>
+        </p:txBody>
+      </p:sp>
+      <p:sp>
+        <p:nvSpPr>
+          <p:cNvPr id="21" name="CuadroTexto 20">
+            <a:extLst>
+              <a:ext uri="{FF2B5EF4-FFF2-40B4-BE49-F238E27FC236}">
+                <a16:creationId xmlns:a16="http://schemas.microsoft.com/office/drawing/2014/main" id="{E8B97C7C-25C9-443D-8FD3-6D9450FC1A84}"/>
+              </a:ext>
+            </a:extLst>
+          </p:cNvPr>
+          <p:cNvSpPr txBox="1"/>
+          <p:nvPr/>
+        </p:nvSpPr>
+        <p:spPr>
+          <a:xfrm>
+            <a:off x="5318923" y="2287722"/>
+            <a:ext cx="862613" cy="261610"/>
+          </a:xfrm>
+          <a:prstGeom prst="rect">
+            <a:avLst/>
+          </a:prstGeom>
+          <a:noFill/>
+        </p:spPr>
+        <p:txBody>
+          <a:bodyPr wrap="square" rtlCol="0">
+            <a:spAutoFit/>
+          </a:bodyPr>
+          <a:lstStyle/>
+          <a:p>
+            <a:pPr algn="ctr"/>
+            <a:r>
+              <a:rPr lang="es-MX" sz="1100" dirty="0">
+                <a:solidFill>
+                  <a:srgbClr val="424242"/>
+                </a:solidFill>
+                <a:latin typeface="Roboto" pitchFamily="2" charset="0"/>
+                <a:ea typeface="Roboto" pitchFamily="2" charset="0"/>
+              </a:rPr>
+              <a:t>Pin</a:t>
+            </a:r>
+          </a:p>
+        </p:txBody>
+      </p:sp>
+      <p:sp>
+        <p:nvSpPr>
+          <p:cNvPr id="22" name="CuadroTexto 21">
+            <a:extLst>
+              <a:ext uri="{FF2B5EF4-FFF2-40B4-BE49-F238E27FC236}">
+                <a16:creationId xmlns:a16="http://schemas.microsoft.com/office/drawing/2014/main" id="{CF8703D8-F448-4BD3-B502-E778A6B0C1F0}"/>
+              </a:ext>
+            </a:extLst>
+          </p:cNvPr>
+          <p:cNvSpPr txBox="1"/>
+          <p:nvPr/>
+        </p:nvSpPr>
+        <p:spPr>
+          <a:xfrm>
+            <a:off x="4484214" y="2286482"/>
+            <a:ext cx="837591" cy="261610"/>
+          </a:xfrm>
+          <a:prstGeom prst="rect">
+            <a:avLst/>
+          </a:prstGeom>
+          <a:noFill/>
+        </p:spPr>
+        <p:txBody>
+          <a:bodyPr wrap="square" rtlCol="0">
+            <a:spAutoFit/>
+          </a:bodyPr>
+          <a:lstStyle/>
+          <a:p>
+            <a:pPr algn="ctr"/>
+            <a:r>
+              <a:rPr lang="es-MX" sz="1100" dirty="0">
+                <a:solidFill>
+                  <a:srgbClr val="424242"/>
+                </a:solidFill>
+                <a:latin typeface="Roboto" pitchFamily="2" charset="0"/>
+                <a:ea typeface="Roboto" pitchFamily="2" charset="0"/>
+              </a:rPr>
+              <a:t>Usuario</a:t>
+            </a:r>
+          </a:p>
+        </p:txBody>
+      </p:sp>
+      <p:sp>
+        <p:nvSpPr>
+          <p:cNvPr id="23" name="Rectángulo: esquinas redondeadas 22">
+            <a:extLst>
+              <a:ext uri="{FF2B5EF4-FFF2-40B4-BE49-F238E27FC236}">
+                <a16:creationId xmlns:a16="http://schemas.microsoft.com/office/drawing/2014/main" id="{A4513FE7-1376-4228-8625-C8E0E721604D}"/>
+              </a:ext>
+            </a:extLst>
+          </p:cNvPr>
+          <p:cNvSpPr/>
+          <p:nvPr/>
+        </p:nvSpPr>
+        <p:spPr>
+          <a:xfrm>
+            <a:off x="4447382" y="2667552"/>
+            <a:ext cx="1722345" cy="276999"/>
+          </a:xfrm>
+          <a:prstGeom prst="roundRect">
+            <a:avLst>
+              <a:gd name="adj" fmla="val 5733"/>
+            </a:avLst>
+          </a:prstGeom>
+          <a:solidFill>
+            <a:srgbClr val="24272A"/>
+          </a:solidFill>
+          <a:ln>
+            <a:noFill/>
+          </a:ln>
+        </p:spPr>
+        <p:style>
+          <a:lnRef idx="2">
+            <a:schemeClr val="accent1">
+              <a:shade val="50000"/>
+            </a:schemeClr>
+          </a:lnRef>
+          <a:fillRef idx="1">
+            <a:schemeClr val="accent1"/>
+          </a:fillRef>
+          <a:effectRef idx="0">
+            <a:schemeClr val="accent1"/>
+          </a:effectRef>
+          <a:fontRef idx="minor">
+            <a:schemeClr val="lt1"/>
+          </a:fontRef>
+        </p:style>
+        <p:txBody>
+          <a:bodyPr rtlCol="0" anchor="ctr"/>
+          <a:lstStyle/>
+          <a:p>
+            <a:pPr algn="ctr"/>
+            <a:endParaRPr lang="es-MX"/>
+          </a:p>
+        </p:txBody>
+      </p:sp>
+      <p:sp>
+        <p:nvSpPr>
+          <p:cNvPr id="24" name="CuadroTexto 23">
+            <a:extLst>
+              <a:ext uri="{FF2B5EF4-FFF2-40B4-BE49-F238E27FC236}">
+                <a16:creationId xmlns:a16="http://schemas.microsoft.com/office/drawing/2014/main" id="{ADDEE218-CC52-4421-BAEB-5AB2A228DC28}"/>
+              </a:ext>
+            </a:extLst>
+          </p:cNvPr>
+          <p:cNvSpPr txBox="1"/>
+          <p:nvPr/>
+        </p:nvSpPr>
+        <p:spPr>
+          <a:xfrm>
+            <a:off x="4787835" y="2680804"/>
+            <a:ext cx="1038553" cy="261610"/>
+          </a:xfrm>
+          <a:prstGeom prst="rect">
+            <a:avLst/>
+          </a:prstGeom>
+          <a:noFill/>
+        </p:spPr>
+        <p:txBody>
+          <a:bodyPr wrap="square" rtlCol="0">
+            <a:spAutoFit/>
+          </a:bodyPr>
+          <a:lstStyle/>
+          <a:p>
+            <a:pPr algn="ctr"/>
+            <a:r>
+              <a:rPr lang="es-MX" sz="1100" dirty="0">
+                <a:solidFill>
+                  <a:schemeClr val="bg1"/>
+                </a:solidFill>
+                <a:latin typeface="Roboto" pitchFamily="2" charset="0"/>
+                <a:ea typeface="Roboto" pitchFamily="2" charset="0"/>
+              </a:rPr>
+              <a:t>ENTRAR</a:t>
+            </a:r>
+          </a:p>
+        </p:txBody>
+      </p:sp>
       <p:pic>
         <p:nvPicPr>
-          <p:cNvPr id="4" name="Imagen 3">
-            <a:extLst>
-              <a:ext uri="{FF2B5EF4-FFF2-40B4-BE49-F238E27FC236}">
-                <a16:creationId xmlns:a16="http://schemas.microsoft.com/office/drawing/2014/main" id="{E2EAEA55-7C52-469D-934D-41F836D00F37}"/>
+          <p:cNvPr id="6" name="Imagen 5">
+            <a:extLst>
+              <a:ext uri="{FF2B5EF4-FFF2-40B4-BE49-F238E27FC236}">
+                <a16:creationId xmlns:a16="http://schemas.microsoft.com/office/drawing/2014/main" id="{7C84C667-2AEB-4401-9354-07D43E411006}"/>
               </a:ext>
             </a:extLst>
           </p:cNvPr>
@@ -3741,8 +4060,8 @@
         </p:blipFill>
         <p:spPr>
           <a:xfrm>
-            <a:off x="8389727" y="1325959"/>
-            <a:ext cx="2464612" cy="2053843"/>
+            <a:off x="4693764" y="604622"/>
+            <a:ext cx="1223715" cy="1019762"/>
           </a:xfrm>
           <a:prstGeom prst="rect">
             <a:avLst/>

--- a/UI.pptx
+++ b/UI.pptx
@@ -6,7 +6,6 @@
   </p:sldMasterIdLst>
   <p:sldIdLst>
     <p:sldId id="256" r:id="rId2"/>
-    <p:sldId id="257" r:id="rId3"/>
   </p:sldIdLst>
   <p:sldSz cx="12192000" cy="6858000"/>
   <p:notesSz cx="6858000" cy="9144000"/>
@@ -3562,7 +3561,7 @@
         </p:nvSpPr>
         <p:spPr>
           <a:xfrm>
-            <a:off x="436098" y="1174653"/>
+            <a:off x="441495" y="2947506"/>
             <a:ext cx="1477108" cy="450167"/>
           </a:xfrm>
           <a:prstGeom prst="rect">
@@ -3617,7 +3616,7 @@
         </p:nvSpPr>
         <p:spPr>
           <a:xfrm>
-            <a:off x="436098" y="1835872"/>
+            <a:off x="436098" y="1160665"/>
             <a:ext cx="1477108" cy="450167"/>
           </a:xfrm>
           <a:prstGeom prst="rect">
@@ -3672,7 +3671,7 @@
         </p:nvSpPr>
         <p:spPr>
           <a:xfrm>
-            <a:off x="436098" y="2511122"/>
+            <a:off x="441495" y="2363697"/>
             <a:ext cx="1477108" cy="450167"/>
           </a:xfrm>
           <a:prstGeom prst="rect">
@@ -4068,75 +4067,65 @@
           </a:prstGeom>
         </p:spPr>
       </p:pic>
+      <p:sp>
+        <p:nvSpPr>
+          <p:cNvPr id="17" name="Rectángulo 16">
+            <a:extLst>
+              <a:ext uri="{FF2B5EF4-FFF2-40B4-BE49-F238E27FC236}">
+                <a16:creationId xmlns:a16="http://schemas.microsoft.com/office/drawing/2014/main" id="{640C66EF-8923-4A8D-809D-4B88365F12E5}"/>
+              </a:ext>
+            </a:extLst>
+          </p:cNvPr>
+          <p:cNvSpPr/>
+          <p:nvPr/>
+        </p:nvSpPr>
+        <p:spPr>
+          <a:xfrm>
+            <a:off x="441495" y="1758787"/>
+            <a:ext cx="1477108" cy="450167"/>
+          </a:xfrm>
+          <a:prstGeom prst="rect">
+            <a:avLst/>
+          </a:prstGeom>
+          <a:solidFill>
+            <a:srgbClr val="E7B531"/>
+          </a:solidFill>
+          <a:ln>
+            <a:noFill/>
+          </a:ln>
+        </p:spPr>
+        <p:style>
+          <a:lnRef idx="2">
+            <a:schemeClr val="accent1">
+              <a:shade val="50000"/>
+            </a:schemeClr>
+          </a:lnRef>
+          <a:fillRef idx="1">
+            <a:schemeClr val="accent1"/>
+          </a:fillRef>
+          <a:effectRef idx="0">
+            <a:schemeClr val="accent1"/>
+          </a:effectRef>
+          <a:fontRef idx="minor">
+            <a:schemeClr val="lt1"/>
+          </a:fontRef>
+        </p:style>
+        <p:txBody>
+          <a:bodyPr rtlCol="0" anchor="ctr"/>
+          <a:lstStyle/>
+          <a:p>
+            <a:pPr algn="ctr"/>
+            <a:r>
+              <a:rPr lang="es-MX" dirty="0"/>
+              <a:t>#FFC428</a:t>
+            </a:r>
+          </a:p>
+        </p:txBody>
+      </p:sp>
     </p:spTree>
     <p:extLst>
       <p:ext uri="{BB962C8B-B14F-4D97-AF65-F5344CB8AC3E}">
         <p14:creationId xmlns:p14="http://schemas.microsoft.com/office/powerpoint/2010/main" val="3130188001"/>
-      </p:ext>
-    </p:extLst>
-  </p:cSld>
-  <p:clrMapOvr>
-    <a:masterClrMapping/>
-  </p:clrMapOvr>
-</p:sld>
-</file>
-
-<file path=ppt/slides/slide2.xml><?xml version="1.0" encoding="utf-8"?>
-<p:sld xmlns:a="http://schemas.openxmlformats.org/drawingml/2006/main" xmlns:r="http://schemas.openxmlformats.org/officeDocument/2006/relationships" xmlns:p="http://schemas.openxmlformats.org/presentationml/2006/main">
-  <p:cSld>
-    <p:spTree>
-      <p:nvGrpSpPr>
-        <p:cNvPr id="1" name=""/>
-        <p:cNvGrpSpPr/>
-        <p:nvPr/>
-      </p:nvGrpSpPr>
-      <p:grpSpPr>
-        <a:xfrm>
-          <a:off x="0" y="0"/>
-          <a:ext cx="0" cy="0"/>
-          <a:chOff x="0" y="0"/>
-          <a:chExt cx="0" cy="0"/>
-        </a:xfrm>
-      </p:grpSpPr>
-      <p:pic>
-        <p:nvPicPr>
-          <p:cNvPr id="5" name="Imagen 4">
-            <a:extLst>
-              <a:ext uri="{FF2B5EF4-FFF2-40B4-BE49-F238E27FC236}">
-                <a16:creationId xmlns:a16="http://schemas.microsoft.com/office/drawing/2014/main" id="{79D1AC9C-098A-4D03-9183-7979AE925E65}"/>
-              </a:ext>
-            </a:extLst>
-          </p:cNvPr>
-          <p:cNvPicPr>
-            <a:picLocks noChangeAspect="1"/>
-          </p:cNvPicPr>
-          <p:nvPr/>
-        </p:nvPicPr>
-        <p:blipFill rotWithShape="1">
-          <a:blip r:embed="rId2">
-            <a:extLst>
-              <a:ext uri="{28A0092B-C50C-407E-A947-70E740481C1C}">
-                <a14:useLocalDpi xmlns:a14="http://schemas.microsoft.com/office/drawing/2010/main" val="0"/>
-              </a:ext>
-            </a:extLst>
-          </a:blip>
-          <a:srcRect b="27180"/>
-          <a:stretch/>
-        </p:blipFill>
-        <p:spPr>
-          <a:xfrm>
-            <a:off x="1981199" y="576776"/>
-            <a:ext cx="8229601" cy="4994031"/>
-          </a:xfrm>
-          <a:prstGeom prst="rect">
-            <a:avLst/>
-          </a:prstGeom>
-        </p:spPr>
-      </p:pic>
-    </p:spTree>
-    <p:extLst>
-      <p:ext uri="{BB962C8B-B14F-4D97-AF65-F5344CB8AC3E}">
-        <p14:creationId xmlns:p14="http://schemas.microsoft.com/office/powerpoint/2010/main" val="3862655180"/>
       </p:ext>
     </p:extLst>
   </p:cSld>

--- a/UI.pptx
+++ b/UI.pptx
@@ -261,7 +261,7 @@
           <a:p>
             <a:fld id="{09850A1F-9877-4EC3-8E04-4C1F957B810E}" type="datetimeFigureOut">
               <a:rPr lang="es-MX" smtClean="0"/>
-              <a:t>21/11/2019</a:t>
+              <a:t>22/11/2019</a:t>
             </a:fld>
             <a:endParaRPr lang="es-MX"/>
           </a:p>
@@ -461,7 +461,7 @@
           <a:p>
             <a:fld id="{09850A1F-9877-4EC3-8E04-4C1F957B810E}" type="datetimeFigureOut">
               <a:rPr lang="es-MX" smtClean="0"/>
-              <a:t>21/11/2019</a:t>
+              <a:t>22/11/2019</a:t>
             </a:fld>
             <a:endParaRPr lang="es-MX"/>
           </a:p>
@@ -671,7 +671,7 @@
           <a:p>
             <a:fld id="{09850A1F-9877-4EC3-8E04-4C1F957B810E}" type="datetimeFigureOut">
               <a:rPr lang="es-MX" smtClean="0"/>
-              <a:t>21/11/2019</a:t>
+              <a:t>22/11/2019</a:t>
             </a:fld>
             <a:endParaRPr lang="es-MX"/>
           </a:p>
@@ -871,7 +871,7 @@
           <a:p>
             <a:fld id="{09850A1F-9877-4EC3-8E04-4C1F957B810E}" type="datetimeFigureOut">
               <a:rPr lang="es-MX" smtClean="0"/>
-              <a:t>21/11/2019</a:t>
+              <a:t>22/11/2019</a:t>
             </a:fld>
             <a:endParaRPr lang="es-MX"/>
           </a:p>
@@ -1147,7 +1147,7 @@
           <a:p>
             <a:fld id="{09850A1F-9877-4EC3-8E04-4C1F957B810E}" type="datetimeFigureOut">
               <a:rPr lang="es-MX" smtClean="0"/>
-              <a:t>21/11/2019</a:t>
+              <a:t>22/11/2019</a:t>
             </a:fld>
             <a:endParaRPr lang="es-MX"/>
           </a:p>
@@ -1415,7 +1415,7 @@
           <a:p>
             <a:fld id="{09850A1F-9877-4EC3-8E04-4C1F957B810E}" type="datetimeFigureOut">
               <a:rPr lang="es-MX" smtClean="0"/>
-              <a:t>21/11/2019</a:t>
+              <a:t>22/11/2019</a:t>
             </a:fld>
             <a:endParaRPr lang="es-MX"/>
           </a:p>
@@ -1830,7 +1830,7 @@
           <a:p>
             <a:fld id="{09850A1F-9877-4EC3-8E04-4C1F957B810E}" type="datetimeFigureOut">
               <a:rPr lang="es-MX" smtClean="0"/>
-              <a:t>21/11/2019</a:t>
+              <a:t>22/11/2019</a:t>
             </a:fld>
             <a:endParaRPr lang="es-MX"/>
           </a:p>
@@ -1972,7 +1972,7 @@
           <a:p>
             <a:fld id="{09850A1F-9877-4EC3-8E04-4C1F957B810E}" type="datetimeFigureOut">
               <a:rPr lang="es-MX" smtClean="0"/>
-              <a:t>21/11/2019</a:t>
+              <a:t>22/11/2019</a:t>
             </a:fld>
             <a:endParaRPr lang="es-MX"/>
           </a:p>
@@ -2085,7 +2085,7 @@
           <a:p>
             <a:fld id="{09850A1F-9877-4EC3-8E04-4C1F957B810E}" type="datetimeFigureOut">
               <a:rPr lang="es-MX" smtClean="0"/>
-              <a:t>21/11/2019</a:t>
+              <a:t>22/11/2019</a:t>
             </a:fld>
             <a:endParaRPr lang="es-MX"/>
           </a:p>
@@ -2398,7 +2398,7 @@
           <a:p>
             <a:fld id="{09850A1F-9877-4EC3-8E04-4C1F957B810E}" type="datetimeFigureOut">
               <a:rPr lang="es-MX" smtClean="0"/>
-              <a:t>21/11/2019</a:t>
+              <a:t>22/11/2019</a:t>
             </a:fld>
             <a:endParaRPr lang="es-MX"/>
           </a:p>
@@ -2687,7 +2687,7 @@
           <a:p>
             <a:fld id="{09850A1F-9877-4EC3-8E04-4C1F957B810E}" type="datetimeFigureOut">
               <a:rPr lang="es-MX" smtClean="0"/>
-              <a:t>21/11/2019</a:t>
+              <a:t>22/11/2019</a:t>
             </a:fld>
             <a:endParaRPr lang="es-MX"/>
           </a:p>
@@ -2930,7 +2930,7 @@
           <a:p>
             <a:fld id="{09850A1F-9877-4EC3-8E04-4C1F957B810E}" type="datetimeFigureOut">
               <a:rPr lang="es-MX" smtClean="0"/>
-              <a:t>21/11/2019</a:t>
+              <a:t>22/11/2019</a:t>
             </a:fld>
             <a:endParaRPr lang="es-MX"/>
           </a:p>
@@ -4122,6 +4122,98 @@
           </a:p>
         </p:txBody>
       </p:sp>
+      <p:pic>
+        <p:nvPicPr>
+          <p:cNvPr id="2" name="Imagen 1">
+            <a:extLst>
+              <a:ext uri="{FF2B5EF4-FFF2-40B4-BE49-F238E27FC236}">
+                <a16:creationId xmlns:a16="http://schemas.microsoft.com/office/drawing/2014/main" id="{AA75FBFE-CEE6-46C2-8C38-B6E5A77BA526}"/>
+              </a:ext>
+            </a:extLst>
+          </p:cNvPr>
+          <p:cNvPicPr>
+            <a:picLocks noChangeAspect="1"/>
+          </p:cNvPicPr>
+          <p:nvPr/>
+        </p:nvPicPr>
+        <p:blipFill>
+          <a:blip r:embed="rId4"/>
+          <a:stretch>
+            <a:fillRect/>
+          </a:stretch>
+        </p:blipFill>
+        <p:spPr>
+          <a:xfrm>
+            <a:off x="4145543" y="3371690"/>
+            <a:ext cx="2320156" cy="598750"/>
+          </a:xfrm>
+          <a:prstGeom prst="rect">
+            <a:avLst/>
+          </a:prstGeom>
+        </p:spPr>
+      </p:pic>
+      <p:sp>
+        <p:nvSpPr>
+          <p:cNvPr id="25" name="Rectángulo 24">
+            <a:extLst>
+              <a:ext uri="{FF2B5EF4-FFF2-40B4-BE49-F238E27FC236}">
+                <a16:creationId xmlns:a16="http://schemas.microsoft.com/office/drawing/2014/main" id="{9BD34A89-6FAF-4590-9F8C-FE00E029B5EE}"/>
+              </a:ext>
+            </a:extLst>
+          </p:cNvPr>
+          <p:cNvSpPr/>
+          <p:nvPr/>
+        </p:nvSpPr>
+        <p:spPr>
+          <a:xfrm>
+            <a:off x="436098" y="3593970"/>
+            <a:ext cx="1477108" cy="450167"/>
+          </a:xfrm>
+          <a:prstGeom prst="rect">
+            <a:avLst/>
+          </a:prstGeom>
+          <a:solidFill>
+            <a:srgbClr val="EFF3F8"/>
+          </a:solidFill>
+          <a:ln>
+            <a:noFill/>
+          </a:ln>
+        </p:spPr>
+        <p:style>
+          <a:lnRef idx="2">
+            <a:schemeClr val="accent1">
+              <a:shade val="50000"/>
+            </a:schemeClr>
+          </a:lnRef>
+          <a:fillRef idx="1">
+            <a:schemeClr val="accent1"/>
+          </a:fillRef>
+          <a:effectRef idx="0">
+            <a:schemeClr val="accent1"/>
+          </a:effectRef>
+          <a:fontRef idx="minor">
+            <a:schemeClr val="lt1"/>
+          </a:fontRef>
+        </p:style>
+        <p:txBody>
+          <a:bodyPr rtlCol="0" anchor="ctr"/>
+          <a:lstStyle/>
+          <a:p>
+            <a:pPr algn="ctr"/>
+            <a:r>
+              <a:rPr lang="es-MX" dirty="0">
+                <a:solidFill>
+                  <a:schemeClr val="tx1">
+                    <a:lumMod val="95000"/>
+                    <a:lumOff val="5000"/>
+                  </a:schemeClr>
+                </a:solidFill>
+              </a:rPr>
+              <a:t>#eff3f8</a:t>
+            </a:r>
+          </a:p>
+        </p:txBody>
+      </p:sp>
     </p:spTree>
     <p:extLst>
       <p:ext uri="{BB962C8B-B14F-4D97-AF65-F5344CB8AC3E}">

--- a/UI.pptx
+++ b/UI.pptx
@@ -4214,6 +4214,36 @@
           </a:p>
         </p:txBody>
       </p:sp>
+      <p:pic>
+        <p:nvPicPr>
+          <p:cNvPr id="4" name="Imagen 3">
+            <a:extLst>
+              <a:ext uri="{FF2B5EF4-FFF2-40B4-BE49-F238E27FC236}">
+                <a16:creationId xmlns:a16="http://schemas.microsoft.com/office/drawing/2014/main" id="{D79F21B3-093F-4200-9D1E-618C73E1CBA3}"/>
+              </a:ext>
+            </a:extLst>
+          </p:cNvPr>
+          <p:cNvPicPr>
+            <a:picLocks noChangeAspect="1"/>
+          </p:cNvPicPr>
+          <p:nvPr/>
+        </p:nvPicPr>
+        <p:blipFill>
+          <a:blip r:embed="rId5"/>
+          <a:stretch>
+            <a:fillRect/>
+          </a:stretch>
+        </p:blipFill>
+        <p:spPr>
+          <a:xfrm>
+            <a:off x="285800" y="4528323"/>
+            <a:ext cx="3048000" cy="1704975"/>
+          </a:xfrm>
+          <a:prstGeom prst="rect">
+            <a:avLst/>
+          </a:prstGeom>
+        </p:spPr>
+      </p:pic>
     </p:spTree>
     <p:extLst>
       <p:ext uri="{BB962C8B-B14F-4D97-AF65-F5344CB8AC3E}">

--- a/UI.pptx
+++ b/UI.pptx
@@ -6,6 +6,8 @@
   </p:sldMasterIdLst>
   <p:sldIdLst>
     <p:sldId id="256" r:id="rId2"/>
+    <p:sldId id="257" r:id="rId3"/>
+    <p:sldId id="258" r:id="rId4"/>
   </p:sldIdLst>
   <p:sldSz cx="12192000" cy="6858000"/>
   <p:notesSz cx="6858000" cy="9144000"/>
@@ -261,7 +263,7 @@
           <a:p>
             <a:fld id="{09850A1F-9877-4EC3-8E04-4C1F957B810E}" type="datetimeFigureOut">
               <a:rPr lang="es-MX" smtClean="0"/>
-              <a:t>22/11/2019</a:t>
+              <a:t>23/11/2019</a:t>
             </a:fld>
             <a:endParaRPr lang="es-MX"/>
           </a:p>
@@ -461,7 +463,7 @@
           <a:p>
             <a:fld id="{09850A1F-9877-4EC3-8E04-4C1F957B810E}" type="datetimeFigureOut">
               <a:rPr lang="es-MX" smtClean="0"/>
-              <a:t>22/11/2019</a:t>
+              <a:t>23/11/2019</a:t>
             </a:fld>
             <a:endParaRPr lang="es-MX"/>
           </a:p>
@@ -671,7 +673,7 @@
           <a:p>
             <a:fld id="{09850A1F-9877-4EC3-8E04-4C1F957B810E}" type="datetimeFigureOut">
               <a:rPr lang="es-MX" smtClean="0"/>
-              <a:t>22/11/2019</a:t>
+              <a:t>23/11/2019</a:t>
             </a:fld>
             <a:endParaRPr lang="es-MX"/>
           </a:p>
@@ -871,7 +873,7 @@
           <a:p>
             <a:fld id="{09850A1F-9877-4EC3-8E04-4C1F957B810E}" type="datetimeFigureOut">
               <a:rPr lang="es-MX" smtClean="0"/>
-              <a:t>22/11/2019</a:t>
+              <a:t>23/11/2019</a:t>
             </a:fld>
             <a:endParaRPr lang="es-MX"/>
           </a:p>
@@ -1147,7 +1149,7 @@
           <a:p>
             <a:fld id="{09850A1F-9877-4EC3-8E04-4C1F957B810E}" type="datetimeFigureOut">
               <a:rPr lang="es-MX" smtClean="0"/>
-              <a:t>22/11/2019</a:t>
+              <a:t>23/11/2019</a:t>
             </a:fld>
             <a:endParaRPr lang="es-MX"/>
           </a:p>
@@ -1415,7 +1417,7 @@
           <a:p>
             <a:fld id="{09850A1F-9877-4EC3-8E04-4C1F957B810E}" type="datetimeFigureOut">
               <a:rPr lang="es-MX" smtClean="0"/>
-              <a:t>22/11/2019</a:t>
+              <a:t>23/11/2019</a:t>
             </a:fld>
             <a:endParaRPr lang="es-MX"/>
           </a:p>
@@ -1830,7 +1832,7 @@
           <a:p>
             <a:fld id="{09850A1F-9877-4EC3-8E04-4C1F957B810E}" type="datetimeFigureOut">
               <a:rPr lang="es-MX" smtClean="0"/>
-              <a:t>22/11/2019</a:t>
+              <a:t>23/11/2019</a:t>
             </a:fld>
             <a:endParaRPr lang="es-MX"/>
           </a:p>
@@ -1972,7 +1974,7 @@
           <a:p>
             <a:fld id="{09850A1F-9877-4EC3-8E04-4C1F957B810E}" type="datetimeFigureOut">
               <a:rPr lang="es-MX" smtClean="0"/>
-              <a:t>22/11/2019</a:t>
+              <a:t>23/11/2019</a:t>
             </a:fld>
             <a:endParaRPr lang="es-MX"/>
           </a:p>
@@ -2085,7 +2087,7 @@
           <a:p>
             <a:fld id="{09850A1F-9877-4EC3-8E04-4C1F957B810E}" type="datetimeFigureOut">
               <a:rPr lang="es-MX" smtClean="0"/>
-              <a:t>22/11/2019</a:t>
+              <a:t>23/11/2019</a:t>
             </a:fld>
             <a:endParaRPr lang="es-MX"/>
           </a:p>
@@ -2398,7 +2400,7 @@
           <a:p>
             <a:fld id="{09850A1F-9877-4EC3-8E04-4C1F957B810E}" type="datetimeFigureOut">
               <a:rPr lang="es-MX" smtClean="0"/>
-              <a:t>22/11/2019</a:t>
+              <a:t>23/11/2019</a:t>
             </a:fld>
             <a:endParaRPr lang="es-MX"/>
           </a:p>
@@ -2687,7 +2689,7 @@
           <a:p>
             <a:fld id="{09850A1F-9877-4EC3-8E04-4C1F957B810E}" type="datetimeFigureOut">
               <a:rPr lang="es-MX" smtClean="0"/>
-              <a:t>22/11/2019</a:t>
+              <a:t>23/11/2019</a:t>
             </a:fld>
             <a:endParaRPr lang="es-MX"/>
           </a:p>
@@ -2930,7 +2932,7 @@
           <a:p>
             <a:fld id="{09850A1F-9877-4EC3-8E04-4C1F957B810E}" type="datetimeFigureOut">
               <a:rPr lang="es-MX" smtClean="0"/>
-              <a:t>22/11/2019</a:t>
+              <a:t>23/11/2019</a:t>
             </a:fld>
             <a:endParaRPr lang="es-MX"/>
           </a:p>
@@ -3865,7 +3867,7 @@
         </p:nvSpPr>
         <p:spPr>
           <a:xfrm>
-            <a:off x="5318923" y="2287722"/>
+            <a:off x="3588925" y="2832376"/>
             <a:ext cx="862613" cy="261610"/>
           </a:xfrm>
           <a:prstGeom prst="rect">
@@ -3907,7 +3909,7 @@
         </p:nvSpPr>
         <p:spPr>
           <a:xfrm>
-            <a:off x="4484214" y="2286482"/>
+            <a:off x="3658743" y="2536747"/>
             <a:ext cx="837591" cy="261610"/>
           </a:xfrm>
           <a:prstGeom prst="rect">
@@ -4248,6 +4250,1402 @@
     <p:extLst>
       <p:ext uri="{BB962C8B-B14F-4D97-AF65-F5344CB8AC3E}">
         <p14:creationId xmlns:p14="http://schemas.microsoft.com/office/powerpoint/2010/main" val="3130188001"/>
+      </p:ext>
+    </p:extLst>
+  </p:cSld>
+  <p:clrMapOvr>
+    <a:masterClrMapping/>
+  </p:clrMapOvr>
+</p:sld>
+</file>
+
+<file path=ppt/slides/slide2.xml><?xml version="1.0" encoding="utf-8"?>
+<p:sld xmlns:a="http://schemas.openxmlformats.org/drawingml/2006/main" xmlns:r="http://schemas.openxmlformats.org/officeDocument/2006/relationships" xmlns:p="http://schemas.openxmlformats.org/presentationml/2006/main">
+  <p:cSld>
+    <p:spTree>
+      <p:nvGrpSpPr>
+        <p:cNvPr id="1" name=""/>
+        <p:cNvGrpSpPr/>
+        <p:nvPr/>
+      </p:nvGrpSpPr>
+      <p:grpSpPr>
+        <a:xfrm>
+          <a:off x="0" y="0"/>
+          <a:ext cx="0" cy="0"/>
+          <a:chOff x="0" y="0"/>
+          <a:chExt cx="0" cy="0"/>
+        </a:xfrm>
+      </p:grpSpPr>
+      <p:sp>
+        <p:nvSpPr>
+          <p:cNvPr id="5" name="Rectángulo 4">
+            <a:extLst>
+              <a:ext uri="{FF2B5EF4-FFF2-40B4-BE49-F238E27FC236}">
+                <a16:creationId xmlns:a16="http://schemas.microsoft.com/office/drawing/2014/main" id="{7DFEF3B5-4F0B-45AF-851F-5DE119CAFAAE}"/>
+              </a:ext>
+            </a:extLst>
+          </p:cNvPr>
+          <p:cNvSpPr/>
+          <p:nvPr/>
+        </p:nvSpPr>
+        <p:spPr>
+          <a:xfrm>
+            <a:off x="3333800" y="464232"/>
+            <a:ext cx="3943643" cy="4304714"/>
+          </a:xfrm>
+          <a:prstGeom prst="rect">
+            <a:avLst/>
+          </a:prstGeom>
+          <a:solidFill>
+            <a:srgbClr val="313131"/>
+          </a:solidFill>
+          <a:ln>
+            <a:solidFill>
+              <a:schemeClr val="bg1">
+                <a:lumMod val="75000"/>
+              </a:schemeClr>
+            </a:solidFill>
+          </a:ln>
+        </p:spPr>
+        <p:style>
+          <a:lnRef idx="2">
+            <a:schemeClr val="accent1">
+              <a:shade val="50000"/>
+            </a:schemeClr>
+          </a:lnRef>
+          <a:fillRef idx="1">
+            <a:schemeClr val="accent1"/>
+          </a:fillRef>
+          <a:effectRef idx="0">
+            <a:schemeClr val="accent1"/>
+          </a:effectRef>
+          <a:fontRef idx="minor">
+            <a:schemeClr val="lt1"/>
+          </a:fontRef>
+        </p:style>
+        <p:txBody>
+          <a:bodyPr rtlCol="0" anchor="ctr"/>
+          <a:lstStyle/>
+          <a:p>
+            <a:pPr algn="ctr"/>
+            <a:endParaRPr lang="es-MX" u="sng" dirty="0"/>
+          </a:p>
+        </p:txBody>
+      </p:sp>
+      <p:sp>
+        <p:nvSpPr>
+          <p:cNvPr id="33" name="Rectángulo 32">
+            <a:extLst>
+              <a:ext uri="{FF2B5EF4-FFF2-40B4-BE49-F238E27FC236}">
+                <a16:creationId xmlns:a16="http://schemas.microsoft.com/office/drawing/2014/main" id="{D9926214-F9B7-419E-A311-A2BD2F84B58C}"/>
+              </a:ext>
+            </a:extLst>
+          </p:cNvPr>
+          <p:cNvSpPr/>
+          <p:nvPr/>
+        </p:nvSpPr>
+        <p:spPr>
+          <a:xfrm>
+            <a:off x="5366326" y="2516799"/>
+            <a:ext cx="862614" cy="305099"/>
+          </a:xfrm>
+          <a:prstGeom prst="rect">
+            <a:avLst/>
+          </a:prstGeom>
+          <a:solidFill>
+            <a:srgbClr val="424242"/>
+          </a:solidFill>
+          <a:ln>
+            <a:noFill/>
+          </a:ln>
+        </p:spPr>
+        <p:style>
+          <a:lnRef idx="2">
+            <a:schemeClr val="accent6"/>
+          </a:lnRef>
+          <a:fillRef idx="1">
+            <a:schemeClr val="lt1"/>
+          </a:fillRef>
+          <a:effectRef idx="0">
+            <a:schemeClr val="accent6"/>
+          </a:effectRef>
+          <a:fontRef idx="minor">
+            <a:schemeClr val="dk1"/>
+          </a:fontRef>
+        </p:style>
+        <p:txBody>
+          <a:bodyPr rtlCol="0" anchor="ctr"/>
+          <a:lstStyle/>
+          <a:p>
+            <a:pPr algn="ctr"/>
+            <a:endParaRPr lang="es-MX"/>
+          </a:p>
+        </p:txBody>
+      </p:sp>
+      <p:sp>
+        <p:nvSpPr>
+          <p:cNvPr id="32" name="Rectángulo 31">
+            <a:extLst>
+              <a:ext uri="{FF2B5EF4-FFF2-40B4-BE49-F238E27FC236}">
+                <a16:creationId xmlns:a16="http://schemas.microsoft.com/office/drawing/2014/main" id="{24896319-A8AC-41E5-91F7-8CB29FF2C431}"/>
+              </a:ext>
+            </a:extLst>
+          </p:cNvPr>
+          <p:cNvSpPr/>
+          <p:nvPr/>
+        </p:nvSpPr>
+        <p:spPr>
+          <a:xfrm>
+            <a:off x="4456961" y="2516800"/>
+            <a:ext cx="862614" cy="305099"/>
+          </a:xfrm>
+          <a:prstGeom prst="rect">
+            <a:avLst/>
+          </a:prstGeom>
+          <a:solidFill>
+            <a:srgbClr val="424242"/>
+          </a:solidFill>
+          <a:ln>
+            <a:noFill/>
+          </a:ln>
+        </p:spPr>
+        <p:style>
+          <a:lnRef idx="2">
+            <a:schemeClr val="accent6"/>
+          </a:lnRef>
+          <a:fillRef idx="1">
+            <a:schemeClr val="lt1"/>
+          </a:fillRef>
+          <a:effectRef idx="0">
+            <a:schemeClr val="accent6"/>
+          </a:effectRef>
+          <a:fontRef idx="minor">
+            <a:schemeClr val="dk1"/>
+          </a:fontRef>
+        </p:style>
+        <p:txBody>
+          <a:bodyPr rtlCol="0" anchor="ctr"/>
+          <a:lstStyle/>
+          <a:p>
+            <a:pPr algn="ctr"/>
+            <a:endParaRPr lang="es-MX"/>
+          </a:p>
+        </p:txBody>
+      </p:sp>
+      <p:pic>
+        <p:nvPicPr>
+          <p:cNvPr id="3" name="Imagen 2">
+            <a:extLst>
+              <a:ext uri="{FF2B5EF4-FFF2-40B4-BE49-F238E27FC236}">
+                <a16:creationId xmlns:a16="http://schemas.microsoft.com/office/drawing/2014/main" id="{8B0244F5-806A-46DB-A2FC-2156DD91EE1F}"/>
+              </a:ext>
+            </a:extLst>
+          </p:cNvPr>
+          <p:cNvPicPr>
+            <a:picLocks noChangeAspect="1"/>
+          </p:cNvPicPr>
+          <p:nvPr/>
+        </p:nvPicPr>
+        <p:blipFill rotWithShape="1">
+          <a:blip r:embed="rId2">
+            <a:extLst>
+              <a:ext uri="{28A0092B-C50C-407E-A947-70E740481C1C}">
+                <a14:useLocalDpi xmlns:a14="http://schemas.microsoft.com/office/drawing/2010/main" val="0"/>
+              </a:ext>
+            </a:extLst>
+          </a:blip>
+          <a:srcRect l="35906" t="7801" r="9743" b="7801"/>
+          <a:stretch/>
+        </p:blipFill>
+        <p:spPr>
+          <a:xfrm>
+            <a:off x="7277443" y="464232"/>
+            <a:ext cx="4159344" cy="4304714"/>
+          </a:xfrm>
+          <a:prstGeom prst="rect">
+            <a:avLst/>
+          </a:prstGeom>
+        </p:spPr>
+      </p:pic>
+      <p:sp>
+        <p:nvSpPr>
+          <p:cNvPr id="14" name="Rectángulo 13">
+            <a:extLst>
+              <a:ext uri="{FF2B5EF4-FFF2-40B4-BE49-F238E27FC236}">
+                <a16:creationId xmlns:a16="http://schemas.microsoft.com/office/drawing/2014/main" id="{D0068915-8F30-4F9A-8BC2-6180C5CBACD7}"/>
+              </a:ext>
+            </a:extLst>
+          </p:cNvPr>
+          <p:cNvSpPr/>
+          <p:nvPr/>
+        </p:nvSpPr>
+        <p:spPr>
+          <a:xfrm>
+            <a:off x="7277443" y="464232"/>
+            <a:ext cx="4159344" cy="4304714"/>
+          </a:xfrm>
+          <a:prstGeom prst="rect">
+            <a:avLst/>
+          </a:prstGeom>
+          <a:solidFill>
+            <a:srgbClr val="424242">
+              <a:alpha val="17000"/>
+            </a:srgbClr>
+          </a:solidFill>
+          <a:ln>
+            <a:noFill/>
+          </a:ln>
+        </p:spPr>
+        <p:style>
+          <a:lnRef idx="2">
+            <a:schemeClr val="accent1">
+              <a:shade val="50000"/>
+            </a:schemeClr>
+          </a:lnRef>
+          <a:fillRef idx="1">
+            <a:schemeClr val="accent1"/>
+          </a:fillRef>
+          <a:effectRef idx="0">
+            <a:schemeClr val="accent1"/>
+          </a:effectRef>
+          <a:fontRef idx="minor">
+            <a:schemeClr val="lt1"/>
+          </a:fontRef>
+        </p:style>
+        <p:txBody>
+          <a:bodyPr rtlCol="0" anchor="ctr"/>
+          <a:lstStyle/>
+          <a:p>
+            <a:pPr algn="ctr"/>
+            <a:endParaRPr lang="es-MX"/>
+          </a:p>
+        </p:txBody>
+      </p:sp>
+      <p:sp>
+        <p:nvSpPr>
+          <p:cNvPr id="8" name="Rectángulo 7">
+            <a:extLst>
+              <a:ext uri="{FF2B5EF4-FFF2-40B4-BE49-F238E27FC236}">
+                <a16:creationId xmlns:a16="http://schemas.microsoft.com/office/drawing/2014/main" id="{7C59613C-F37D-42CF-A751-BB317CDF97D9}"/>
+              </a:ext>
+            </a:extLst>
+          </p:cNvPr>
+          <p:cNvSpPr/>
+          <p:nvPr/>
+        </p:nvSpPr>
+        <p:spPr>
+          <a:xfrm>
+            <a:off x="436098" y="1160665"/>
+            <a:ext cx="1477108" cy="450167"/>
+          </a:xfrm>
+          <a:prstGeom prst="rect">
+            <a:avLst/>
+          </a:prstGeom>
+          <a:solidFill>
+            <a:srgbClr val="313131"/>
+          </a:solidFill>
+          <a:ln>
+            <a:noFill/>
+          </a:ln>
+        </p:spPr>
+        <p:style>
+          <a:lnRef idx="2">
+            <a:schemeClr val="accent1">
+              <a:shade val="50000"/>
+            </a:schemeClr>
+          </a:lnRef>
+          <a:fillRef idx="1">
+            <a:schemeClr val="accent1"/>
+          </a:fillRef>
+          <a:effectRef idx="0">
+            <a:schemeClr val="accent1"/>
+          </a:effectRef>
+          <a:fontRef idx="minor">
+            <a:schemeClr val="lt1"/>
+          </a:fontRef>
+        </p:style>
+        <p:txBody>
+          <a:bodyPr rtlCol="0" anchor="ctr"/>
+          <a:lstStyle/>
+          <a:p>
+            <a:pPr algn="ctr"/>
+            <a:endParaRPr lang="es-MX" dirty="0"/>
+          </a:p>
+        </p:txBody>
+      </p:sp>
+      <p:sp>
+        <p:nvSpPr>
+          <p:cNvPr id="17" name="Rectángulo 16">
+            <a:extLst>
+              <a:ext uri="{FF2B5EF4-FFF2-40B4-BE49-F238E27FC236}">
+                <a16:creationId xmlns:a16="http://schemas.microsoft.com/office/drawing/2014/main" id="{640C66EF-8923-4A8D-809D-4B88365F12E5}"/>
+              </a:ext>
+            </a:extLst>
+          </p:cNvPr>
+          <p:cNvSpPr/>
+          <p:nvPr/>
+        </p:nvSpPr>
+        <p:spPr>
+          <a:xfrm>
+            <a:off x="441495" y="1758787"/>
+            <a:ext cx="1477108" cy="450167"/>
+          </a:xfrm>
+          <a:prstGeom prst="rect">
+            <a:avLst/>
+          </a:prstGeom>
+          <a:solidFill>
+            <a:srgbClr val="FFD200"/>
+          </a:solidFill>
+          <a:ln>
+            <a:noFill/>
+          </a:ln>
+        </p:spPr>
+        <p:style>
+          <a:lnRef idx="2">
+            <a:schemeClr val="accent1">
+              <a:shade val="50000"/>
+            </a:schemeClr>
+          </a:lnRef>
+          <a:fillRef idx="1">
+            <a:schemeClr val="accent1"/>
+          </a:fillRef>
+          <a:effectRef idx="0">
+            <a:schemeClr val="accent1"/>
+          </a:effectRef>
+          <a:fontRef idx="minor">
+            <a:schemeClr val="lt1"/>
+          </a:fontRef>
+        </p:style>
+        <p:txBody>
+          <a:bodyPr rtlCol="0" anchor="ctr"/>
+          <a:lstStyle/>
+          <a:p>
+            <a:pPr algn="ctr"/>
+            <a:endParaRPr lang="es-MX" dirty="0"/>
+          </a:p>
+        </p:txBody>
+      </p:sp>
+      <p:sp>
+        <p:nvSpPr>
+          <p:cNvPr id="25" name="Rectángulo 24">
+            <a:extLst>
+              <a:ext uri="{FF2B5EF4-FFF2-40B4-BE49-F238E27FC236}">
+                <a16:creationId xmlns:a16="http://schemas.microsoft.com/office/drawing/2014/main" id="{9BD34A89-6FAF-4590-9F8C-FE00E029B5EE}"/>
+              </a:ext>
+            </a:extLst>
+          </p:cNvPr>
+          <p:cNvSpPr/>
+          <p:nvPr/>
+        </p:nvSpPr>
+        <p:spPr>
+          <a:xfrm>
+            <a:off x="436098" y="2356909"/>
+            <a:ext cx="1477108" cy="450167"/>
+          </a:xfrm>
+          <a:prstGeom prst="rect">
+            <a:avLst/>
+          </a:prstGeom>
+          <a:solidFill>
+            <a:srgbClr val="E7E7E7"/>
+          </a:solidFill>
+          <a:ln>
+            <a:noFill/>
+          </a:ln>
+        </p:spPr>
+        <p:style>
+          <a:lnRef idx="2">
+            <a:schemeClr val="accent1">
+              <a:shade val="50000"/>
+            </a:schemeClr>
+          </a:lnRef>
+          <a:fillRef idx="1">
+            <a:schemeClr val="accent1"/>
+          </a:fillRef>
+          <a:effectRef idx="0">
+            <a:schemeClr val="accent1"/>
+          </a:effectRef>
+          <a:fontRef idx="minor">
+            <a:schemeClr val="lt1"/>
+          </a:fontRef>
+        </p:style>
+        <p:txBody>
+          <a:bodyPr rtlCol="0" anchor="ctr"/>
+          <a:lstStyle/>
+          <a:p>
+            <a:pPr algn="ctr"/>
+            <a:endParaRPr lang="es-MX" dirty="0">
+              <a:solidFill>
+                <a:schemeClr val="tx1">
+                  <a:lumMod val="95000"/>
+                  <a:lumOff val="5000"/>
+                </a:schemeClr>
+              </a:solidFill>
+            </a:endParaRPr>
+          </a:p>
+        </p:txBody>
+      </p:sp>
+      <p:pic>
+        <p:nvPicPr>
+          <p:cNvPr id="15" name="Imagen 14">
+            <a:extLst>
+              <a:ext uri="{FF2B5EF4-FFF2-40B4-BE49-F238E27FC236}">
+                <a16:creationId xmlns:a16="http://schemas.microsoft.com/office/drawing/2014/main" id="{8FA9E225-2FFB-4C1E-A4C0-47ED12BABE21}"/>
+              </a:ext>
+            </a:extLst>
+          </p:cNvPr>
+          <p:cNvPicPr>
+            <a:picLocks noChangeAspect="1"/>
+          </p:cNvPicPr>
+          <p:nvPr/>
+        </p:nvPicPr>
+        <p:blipFill>
+          <a:blip r:embed="rId3">
+            <a:extLst>
+              <a:ext uri="{28A0092B-C50C-407E-A947-70E740481C1C}">
+                <a14:useLocalDpi xmlns:a14="http://schemas.microsoft.com/office/drawing/2010/main" val="0"/>
+              </a:ext>
+            </a:extLst>
+          </a:blip>
+          <a:stretch>
+            <a:fillRect/>
+          </a:stretch>
+        </p:blipFill>
+        <p:spPr>
+          <a:xfrm>
+            <a:off x="4591096" y="654228"/>
+            <a:ext cx="1429051" cy="1190876"/>
+          </a:xfrm>
+          <a:prstGeom prst="rect">
+            <a:avLst/>
+          </a:prstGeom>
+        </p:spPr>
+      </p:pic>
+      <p:sp>
+        <p:nvSpPr>
+          <p:cNvPr id="26" name="CuadroTexto 25">
+            <a:extLst>
+              <a:ext uri="{FF2B5EF4-FFF2-40B4-BE49-F238E27FC236}">
+                <a16:creationId xmlns:a16="http://schemas.microsoft.com/office/drawing/2014/main" id="{16A11577-6C05-4A86-A02D-9E9700D0ADB5}"/>
+              </a:ext>
+            </a:extLst>
+          </p:cNvPr>
+          <p:cNvSpPr txBox="1"/>
+          <p:nvPr/>
+        </p:nvSpPr>
+        <p:spPr>
+          <a:xfrm>
+            <a:off x="4387517" y="1957774"/>
+            <a:ext cx="1836208" cy="369332"/>
+          </a:xfrm>
+          <a:prstGeom prst="rect">
+            <a:avLst/>
+          </a:prstGeom>
+          <a:noFill/>
+        </p:spPr>
+        <p:txBody>
+          <a:bodyPr wrap="none" rtlCol="0">
+            <a:spAutoFit/>
+          </a:bodyPr>
+          <a:lstStyle/>
+          <a:p>
+            <a:r>
+              <a:rPr lang="es-MX" dirty="0">
+                <a:solidFill>
+                  <a:schemeClr val="bg1"/>
+                </a:solidFill>
+                <a:latin typeface="Roboto" pitchFamily="2" charset="0"/>
+                <a:ea typeface="Roboto" pitchFamily="2" charset="0"/>
+              </a:rPr>
+              <a:t>INICIAR SESION</a:t>
+            </a:r>
+          </a:p>
+        </p:txBody>
+      </p:sp>
+      <p:sp>
+        <p:nvSpPr>
+          <p:cNvPr id="27" name="CuadroTexto 26">
+            <a:extLst>
+              <a:ext uri="{FF2B5EF4-FFF2-40B4-BE49-F238E27FC236}">
+                <a16:creationId xmlns:a16="http://schemas.microsoft.com/office/drawing/2014/main" id="{491BE8C6-6106-46BF-AFCA-B11A4A44F9E3}"/>
+              </a:ext>
+            </a:extLst>
+          </p:cNvPr>
+          <p:cNvSpPr txBox="1"/>
+          <p:nvPr/>
+        </p:nvSpPr>
+        <p:spPr>
+          <a:xfrm>
+            <a:off x="5371016" y="2544226"/>
+            <a:ext cx="862613" cy="261610"/>
+          </a:xfrm>
+          <a:prstGeom prst="rect">
+            <a:avLst/>
+          </a:prstGeom>
+          <a:noFill/>
+        </p:spPr>
+        <p:txBody>
+          <a:bodyPr wrap="square" rtlCol="0">
+            <a:spAutoFit/>
+          </a:bodyPr>
+          <a:lstStyle/>
+          <a:p>
+            <a:pPr algn="ctr"/>
+            <a:r>
+              <a:rPr lang="es-MX" sz="1100" dirty="0">
+                <a:solidFill>
+                  <a:schemeClr val="bg1"/>
+                </a:solidFill>
+                <a:latin typeface="Roboto" pitchFamily="2" charset="0"/>
+                <a:ea typeface="Roboto" pitchFamily="2" charset="0"/>
+              </a:rPr>
+              <a:t>Pin</a:t>
+            </a:r>
+          </a:p>
+        </p:txBody>
+      </p:sp>
+      <p:sp>
+        <p:nvSpPr>
+          <p:cNvPr id="28" name="CuadroTexto 27">
+            <a:extLst>
+              <a:ext uri="{FF2B5EF4-FFF2-40B4-BE49-F238E27FC236}">
+                <a16:creationId xmlns:a16="http://schemas.microsoft.com/office/drawing/2014/main" id="{F3990E1E-1EC8-4FD7-A073-21A6B16490DE}"/>
+              </a:ext>
+            </a:extLst>
+          </p:cNvPr>
+          <p:cNvSpPr txBox="1"/>
+          <p:nvPr/>
+        </p:nvSpPr>
+        <p:spPr>
+          <a:xfrm>
+            <a:off x="4524046" y="2548408"/>
+            <a:ext cx="837591" cy="261610"/>
+          </a:xfrm>
+          <a:prstGeom prst="rect">
+            <a:avLst/>
+          </a:prstGeom>
+          <a:noFill/>
+          <a:ln>
+            <a:noFill/>
+          </a:ln>
+        </p:spPr>
+        <p:txBody>
+          <a:bodyPr wrap="square" rtlCol="0">
+            <a:spAutoFit/>
+          </a:bodyPr>
+          <a:lstStyle/>
+          <a:p>
+            <a:pPr algn="ctr"/>
+            <a:r>
+              <a:rPr lang="es-MX" sz="1100" dirty="0">
+                <a:solidFill>
+                  <a:schemeClr val="bg1"/>
+                </a:solidFill>
+                <a:latin typeface="Roboto" pitchFamily="2" charset="0"/>
+                <a:ea typeface="Roboto" pitchFamily="2" charset="0"/>
+              </a:rPr>
+              <a:t>Usuario</a:t>
+            </a:r>
+          </a:p>
+        </p:txBody>
+      </p:sp>
+      <p:sp>
+        <p:nvSpPr>
+          <p:cNvPr id="30" name="Rectángulo 29">
+            <a:extLst>
+              <a:ext uri="{FF2B5EF4-FFF2-40B4-BE49-F238E27FC236}">
+                <a16:creationId xmlns:a16="http://schemas.microsoft.com/office/drawing/2014/main" id="{1C31CAD7-8CAC-4D3A-820F-D945AB000823}"/>
+              </a:ext>
+            </a:extLst>
+          </p:cNvPr>
+          <p:cNvSpPr/>
+          <p:nvPr/>
+        </p:nvSpPr>
+        <p:spPr>
+          <a:xfrm>
+            <a:off x="4627772" y="3050354"/>
+            <a:ext cx="1477108" cy="331781"/>
+          </a:xfrm>
+          <a:prstGeom prst="rect">
+            <a:avLst/>
+          </a:prstGeom>
+          <a:solidFill>
+            <a:srgbClr val="FFD200"/>
+          </a:solidFill>
+          <a:ln>
+            <a:noFill/>
+          </a:ln>
+        </p:spPr>
+        <p:style>
+          <a:lnRef idx="2">
+            <a:schemeClr val="accent1">
+              <a:shade val="50000"/>
+            </a:schemeClr>
+          </a:lnRef>
+          <a:fillRef idx="1">
+            <a:schemeClr val="accent1"/>
+          </a:fillRef>
+          <a:effectRef idx="0">
+            <a:schemeClr val="accent1"/>
+          </a:effectRef>
+          <a:fontRef idx="minor">
+            <a:schemeClr val="lt1"/>
+          </a:fontRef>
+        </p:style>
+        <p:txBody>
+          <a:bodyPr rtlCol="0" anchor="ctr"/>
+          <a:lstStyle/>
+          <a:p>
+            <a:pPr algn="ctr"/>
+            <a:endParaRPr lang="es-MX" dirty="0"/>
+          </a:p>
+        </p:txBody>
+      </p:sp>
+      <p:sp>
+        <p:nvSpPr>
+          <p:cNvPr id="31" name="CuadroTexto 30">
+            <a:extLst>
+              <a:ext uri="{FF2B5EF4-FFF2-40B4-BE49-F238E27FC236}">
+                <a16:creationId xmlns:a16="http://schemas.microsoft.com/office/drawing/2014/main" id="{6F1D9294-A649-46D3-A713-09AE4CB8C16C}"/>
+              </a:ext>
+            </a:extLst>
+          </p:cNvPr>
+          <p:cNvSpPr txBox="1"/>
+          <p:nvPr/>
+        </p:nvSpPr>
+        <p:spPr>
+          <a:xfrm>
+            <a:off x="4947531" y="3102832"/>
+            <a:ext cx="837591" cy="261610"/>
+          </a:xfrm>
+          <a:prstGeom prst="rect">
+            <a:avLst/>
+          </a:prstGeom>
+          <a:noFill/>
+        </p:spPr>
+        <p:txBody>
+          <a:bodyPr wrap="square" rtlCol="0">
+            <a:spAutoFit/>
+          </a:bodyPr>
+          <a:lstStyle/>
+          <a:p>
+            <a:pPr algn="ctr"/>
+            <a:r>
+              <a:rPr lang="es-MX" sz="1100" dirty="0">
+                <a:solidFill>
+                  <a:schemeClr val="bg1"/>
+                </a:solidFill>
+                <a:latin typeface="Roboto" pitchFamily="2" charset="0"/>
+                <a:ea typeface="Roboto" pitchFamily="2" charset="0"/>
+              </a:rPr>
+              <a:t>ENTRAR</a:t>
+            </a:r>
+          </a:p>
+        </p:txBody>
+      </p:sp>
+    </p:spTree>
+    <p:extLst>
+      <p:ext uri="{BB962C8B-B14F-4D97-AF65-F5344CB8AC3E}">
+        <p14:creationId xmlns:p14="http://schemas.microsoft.com/office/powerpoint/2010/main" val="4149588797"/>
+      </p:ext>
+    </p:extLst>
+  </p:cSld>
+  <p:clrMapOvr>
+    <a:masterClrMapping/>
+  </p:clrMapOvr>
+</p:sld>
+</file>
+
+<file path=ppt/slides/slide3.xml><?xml version="1.0" encoding="utf-8"?>
+<p:sld xmlns:a="http://schemas.openxmlformats.org/drawingml/2006/main" xmlns:r="http://schemas.openxmlformats.org/officeDocument/2006/relationships" xmlns:p="http://schemas.openxmlformats.org/presentationml/2006/main">
+  <p:cSld>
+    <p:spTree>
+      <p:nvGrpSpPr>
+        <p:cNvPr id="1" name=""/>
+        <p:cNvGrpSpPr/>
+        <p:nvPr/>
+      </p:nvGrpSpPr>
+      <p:grpSpPr>
+        <a:xfrm>
+          <a:off x="0" y="0"/>
+          <a:ext cx="0" cy="0"/>
+          <a:chOff x="0" y="0"/>
+          <a:chExt cx="0" cy="0"/>
+        </a:xfrm>
+      </p:grpSpPr>
+      <p:sp>
+        <p:nvSpPr>
+          <p:cNvPr id="5" name="Rectángulo 4">
+            <a:extLst>
+              <a:ext uri="{FF2B5EF4-FFF2-40B4-BE49-F238E27FC236}">
+                <a16:creationId xmlns:a16="http://schemas.microsoft.com/office/drawing/2014/main" id="{7DFEF3B5-4F0B-45AF-851F-5DE119CAFAAE}"/>
+              </a:ext>
+            </a:extLst>
+          </p:cNvPr>
+          <p:cNvSpPr/>
+          <p:nvPr/>
+        </p:nvSpPr>
+        <p:spPr>
+          <a:xfrm>
+            <a:off x="3333800" y="464232"/>
+            <a:ext cx="3943643" cy="4304714"/>
+          </a:xfrm>
+          <a:prstGeom prst="rect">
+            <a:avLst/>
+          </a:prstGeom>
+          <a:solidFill>
+            <a:schemeClr val="bg1"/>
+          </a:solidFill>
+          <a:ln>
+            <a:solidFill>
+              <a:schemeClr val="bg1">
+                <a:lumMod val="75000"/>
+              </a:schemeClr>
+            </a:solidFill>
+          </a:ln>
+        </p:spPr>
+        <p:style>
+          <a:lnRef idx="2">
+            <a:schemeClr val="accent1">
+              <a:shade val="50000"/>
+            </a:schemeClr>
+          </a:lnRef>
+          <a:fillRef idx="1">
+            <a:schemeClr val="accent1"/>
+          </a:fillRef>
+          <a:effectRef idx="0">
+            <a:schemeClr val="accent1"/>
+          </a:effectRef>
+          <a:fontRef idx="minor">
+            <a:schemeClr val="lt1"/>
+          </a:fontRef>
+        </p:style>
+        <p:txBody>
+          <a:bodyPr rtlCol="0" anchor="ctr"/>
+          <a:lstStyle/>
+          <a:p>
+            <a:pPr algn="ctr"/>
+            <a:endParaRPr lang="es-MX" u="sng" dirty="0"/>
+          </a:p>
+        </p:txBody>
+      </p:sp>
+      <p:sp>
+        <p:nvSpPr>
+          <p:cNvPr id="23" name="Rectángulo 22">
+            <a:extLst>
+              <a:ext uri="{FF2B5EF4-FFF2-40B4-BE49-F238E27FC236}">
+                <a16:creationId xmlns:a16="http://schemas.microsoft.com/office/drawing/2014/main" id="{60F3AD7F-D36E-4273-9EC2-9EE561B10931}"/>
+              </a:ext>
+            </a:extLst>
+          </p:cNvPr>
+          <p:cNvSpPr/>
+          <p:nvPr/>
+        </p:nvSpPr>
+        <p:spPr>
+          <a:xfrm>
+            <a:off x="5354874" y="2516799"/>
+            <a:ext cx="862614" cy="305099"/>
+          </a:xfrm>
+          <a:prstGeom prst="rect">
+            <a:avLst/>
+          </a:prstGeom>
+          <a:solidFill>
+            <a:srgbClr val="E7E7E7"/>
+          </a:solidFill>
+          <a:ln>
+            <a:noFill/>
+          </a:ln>
+        </p:spPr>
+        <p:style>
+          <a:lnRef idx="2">
+            <a:schemeClr val="accent6"/>
+          </a:lnRef>
+          <a:fillRef idx="1">
+            <a:schemeClr val="lt1"/>
+          </a:fillRef>
+          <a:effectRef idx="0">
+            <a:schemeClr val="accent6"/>
+          </a:effectRef>
+          <a:fontRef idx="minor">
+            <a:schemeClr val="dk1"/>
+          </a:fontRef>
+        </p:style>
+        <p:txBody>
+          <a:bodyPr rtlCol="0" anchor="ctr"/>
+          <a:lstStyle/>
+          <a:p>
+            <a:pPr algn="ctr"/>
+            <a:endParaRPr lang="es-MX"/>
+          </a:p>
+        </p:txBody>
+      </p:sp>
+      <p:sp>
+        <p:nvSpPr>
+          <p:cNvPr id="18" name="Rectángulo 17">
+            <a:extLst>
+              <a:ext uri="{FF2B5EF4-FFF2-40B4-BE49-F238E27FC236}">
+                <a16:creationId xmlns:a16="http://schemas.microsoft.com/office/drawing/2014/main" id="{31CA5035-2D76-4BA4-9A69-21CB62A09FD2}"/>
+              </a:ext>
+            </a:extLst>
+          </p:cNvPr>
+          <p:cNvSpPr/>
+          <p:nvPr/>
+        </p:nvSpPr>
+        <p:spPr>
+          <a:xfrm>
+            <a:off x="4567067" y="3054059"/>
+            <a:ext cx="1477108" cy="369332"/>
+          </a:xfrm>
+          <a:prstGeom prst="rect">
+            <a:avLst/>
+          </a:prstGeom>
+          <a:solidFill>
+            <a:srgbClr val="24272A"/>
+          </a:solidFill>
+          <a:ln>
+            <a:noFill/>
+          </a:ln>
+        </p:spPr>
+        <p:style>
+          <a:lnRef idx="2">
+            <a:schemeClr val="accent1">
+              <a:shade val="50000"/>
+            </a:schemeClr>
+          </a:lnRef>
+          <a:fillRef idx="1">
+            <a:schemeClr val="accent1"/>
+          </a:fillRef>
+          <a:effectRef idx="0">
+            <a:schemeClr val="accent1"/>
+          </a:effectRef>
+          <a:fontRef idx="minor">
+            <a:schemeClr val="lt1"/>
+          </a:fontRef>
+        </p:style>
+        <p:txBody>
+          <a:bodyPr rtlCol="0" anchor="ctr"/>
+          <a:lstStyle/>
+          <a:p>
+            <a:pPr algn="ctr"/>
+            <a:r>
+              <a:rPr lang="es-MX" dirty="0"/>
+              <a:t>ENTRAR</a:t>
+            </a:r>
+          </a:p>
+        </p:txBody>
+      </p:sp>
+      <p:pic>
+        <p:nvPicPr>
+          <p:cNvPr id="3" name="Imagen 2">
+            <a:extLst>
+              <a:ext uri="{FF2B5EF4-FFF2-40B4-BE49-F238E27FC236}">
+                <a16:creationId xmlns:a16="http://schemas.microsoft.com/office/drawing/2014/main" id="{8B0244F5-806A-46DB-A2FC-2156DD91EE1F}"/>
+              </a:ext>
+            </a:extLst>
+          </p:cNvPr>
+          <p:cNvPicPr>
+            <a:picLocks noChangeAspect="1"/>
+          </p:cNvPicPr>
+          <p:nvPr/>
+        </p:nvPicPr>
+        <p:blipFill rotWithShape="1">
+          <a:blip r:embed="rId2">
+            <a:extLst>
+              <a:ext uri="{28A0092B-C50C-407E-A947-70E740481C1C}">
+                <a14:useLocalDpi xmlns:a14="http://schemas.microsoft.com/office/drawing/2010/main" val="0"/>
+              </a:ext>
+            </a:extLst>
+          </a:blip>
+          <a:srcRect l="35906" t="7801" r="9743" b="7801"/>
+          <a:stretch/>
+        </p:blipFill>
+        <p:spPr>
+          <a:xfrm>
+            <a:off x="7277443" y="464232"/>
+            <a:ext cx="4159344" cy="4304714"/>
+          </a:xfrm>
+          <a:prstGeom prst="rect">
+            <a:avLst/>
+          </a:prstGeom>
+        </p:spPr>
+      </p:pic>
+      <p:sp>
+        <p:nvSpPr>
+          <p:cNvPr id="14" name="Rectángulo 13">
+            <a:extLst>
+              <a:ext uri="{FF2B5EF4-FFF2-40B4-BE49-F238E27FC236}">
+                <a16:creationId xmlns:a16="http://schemas.microsoft.com/office/drawing/2014/main" id="{D0068915-8F30-4F9A-8BC2-6180C5CBACD7}"/>
+              </a:ext>
+            </a:extLst>
+          </p:cNvPr>
+          <p:cNvSpPr/>
+          <p:nvPr/>
+        </p:nvSpPr>
+        <p:spPr>
+          <a:xfrm>
+            <a:off x="7277443" y="464232"/>
+            <a:ext cx="4159344" cy="4304714"/>
+          </a:xfrm>
+          <a:prstGeom prst="rect">
+            <a:avLst/>
+          </a:prstGeom>
+          <a:solidFill>
+            <a:srgbClr val="424242">
+              <a:alpha val="17000"/>
+            </a:srgbClr>
+          </a:solidFill>
+          <a:ln>
+            <a:noFill/>
+          </a:ln>
+        </p:spPr>
+        <p:style>
+          <a:lnRef idx="2">
+            <a:schemeClr val="accent1">
+              <a:shade val="50000"/>
+            </a:schemeClr>
+          </a:lnRef>
+          <a:fillRef idx="1">
+            <a:schemeClr val="accent1"/>
+          </a:fillRef>
+          <a:effectRef idx="0">
+            <a:schemeClr val="accent1"/>
+          </a:effectRef>
+          <a:fontRef idx="minor">
+            <a:schemeClr val="lt1"/>
+          </a:fontRef>
+        </p:style>
+        <p:txBody>
+          <a:bodyPr rtlCol="0" anchor="ctr"/>
+          <a:lstStyle/>
+          <a:p>
+            <a:pPr algn="ctr"/>
+            <a:endParaRPr lang="es-MX"/>
+          </a:p>
+        </p:txBody>
+      </p:sp>
+      <p:sp>
+        <p:nvSpPr>
+          <p:cNvPr id="8" name="Rectángulo 7">
+            <a:extLst>
+              <a:ext uri="{FF2B5EF4-FFF2-40B4-BE49-F238E27FC236}">
+                <a16:creationId xmlns:a16="http://schemas.microsoft.com/office/drawing/2014/main" id="{7C59613C-F37D-42CF-A751-BB317CDF97D9}"/>
+              </a:ext>
+            </a:extLst>
+          </p:cNvPr>
+          <p:cNvSpPr/>
+          <p:nvPr/>
+        </p:nvSpPr>
+        <p:spPr>
+          <a:xfrm>
+            <a:off x="436098" y="1160665"/>
+            <a:ext cx="1477108" cy="450167"/>
+          </a:xfrm>
+          <a:prstGeom prst="rect">
+            <a:avLst/>
+          </a:prstGeom>
+          <a:solidFill>
+            <a:srgbClr val="313131"/>
+          </a:solidFill>
+          <a:ln>
+            <a:noFill/>
+          </a:ln>
+        </p:spPr>
+        <p:style>
+          <a:lnRef idx="2">
+            <a:schemeClr val="accent1">
+              <a:shade val="50000"/>
+            </a:schemeClr>
+          </a:lnRef>
+          <a:fillRef idx="1">
+            <a:schemeClr val="accent1"/>
+          </a:fillRef>
+          <a:effectRef idx="0">
+            <a:schemeClr val="accent1"/>
+          </a:effectRef>
+          <a:fontRef idx="minor">
+            <a:schemeClr val="lt1"/>
+          </a:fontRef>
+        </p:style>
+        <p:txBody>
+          <a:bodyPr rtlCol="0" anchor="ctr"/>
+          <a:lstStyle/>
+          <a:p>
+            <a:pPr algn="ctr"/>
+            <a:endParaRPr lang="es-MX" dirty="0"/>
+          </a:p>
+        </p:txBody>
+      </p:sp>
+      <p:sp>
+        <p:nvSpPr>
+          <p:cNvPr id="17" name="Rectángulo 16">
+            <a:extLst>
+              <a:ext uri="{FF2B5EF4-FFF2-40B4-BE49-F238E27FC236}">
+                <a16:creationId xmlns:a16="http://schemas.microsoft.com/office/drawing/2014/main" id="{640C66EF-8923-4A8D-809D-4B88365F12E5}"/>
+              </a:ext>
+            </a:extLst>
+          </p:cNvPr>
+          <p:cNvSpPr/>
+          <p:nvPr/>
+        </p:nvSpPr>
+        <p:spPr>
+          <a:xfrm>
+            <a:off x="441495" y="1758787"/>
+            <a:ext cx="1477108" cy="450167"/>
+          </a:xfrm>
+          <a:prstGeom prst="rect">
+            <a:avLst/>
+          </a:prstGeom>
+          <a:solidFill>
+            <a:srgbClr val="FFD200"/>
+          </a:solidFill>
+          <a:ln>
+            <a:noFill/>
+          </a:ln>
+        </p:spPr>
+        <p:style>
+          <a:lnRef idx="2">
+            <a:schemeClr val="accent1">
+              <a:shade val="50000"/>
+            </a:schemeClr>
+          </a:lnRef>
+          <a:fillRef idx="1">
+            <a:schemeClr val="accent1"/>
+          </a:fillRef>
+          <a:effectRef idx="0">
+            <a:schemeClr val="accent1"/>
+          </a:effectRef>
+          <a:fontRef idx="minor">
+            <a:schemeClr val="lt1"/>
+          </a:fontRef>
+        </p:style>
+        <p:txBody>
+          <a:bodyPr rtlCol="0" anchor="ctr"/>
+          <a:lstStyle/>
+          <a:p>
+            <a:pPr algn="ctr"/>
+            <a:endParaRPr lang="es-MX" dirty="0"/>
+          </a:p>
+        </p:txBody>
+      </p:sp>
+      <p:sp>
+        <p:nvSpPr>
+          <p:cNvPr id="25" name="Rectángulo 24">
+            <a:extLst>
+              <a:ext uri="{FF2B5EF4-FFF2-40B4-BE49-F238E27FC236}">
+                <a16:creationId xmlns:a16="http://schemas.microsoft.com/office/drawing/2014/main" id="{9BD34A89-6FAF-4590-9F8C-FE00E029B5EE}"/>
+              </a:ext>
+            </a:extLst>
+          </p:cNvPr>
+          <p:cNvSpPr/>
+          <p:nvPr/>
+        </p:nvSpPr>
+        <p:spPr>
+          <a:xfrm>
+            <a:off x="436098" y="2356909"/>
+            <a:ext cx="1477108" cy="450167"/>
+          </a:xfrm>
+          <a:prstGeom prst="rect">
+            <a:avLst/>
+          </a:prstGeom>
+          <a:solidFill>
+            <a:srgbClr val="E7E7E7"/>
+          </a:solidFill>
+          <a:ln>
+            <a:noFill/>
+          </a:ln>
+        </p:spPr>
+        <p:style>
+          <a:lnRef idx="2">
+            <a:schemeClr val="accent1">
+              <a:shade val="50000"/>
+            </a:schemeClr>
+          </a:lnRef>
+          <a:fillRef idx="1">
+            <a:schemeClr val="accent1"/>
+          </a:fillRef>
+          <a:effectRef idx="0">
+            <a:schemeClr val="accent1"/>
+          </a:effectRef>
+          <a:fontRef idx="minor">
+            <a:schemeClr val="lt1"/>
+          </a:fontRef>
+        </p:style>
+        <p:txBody>
+          <a:bodyPr rtlCol="0" anchor="ctr"/>
+          <a:lstStyle/>
+          <a:p>
+            <a:pPr algn="ctr"/>
+            <a:endParaRPr lang="es-MX" dirty="0">
+              <a:solidFill>
+                <a:schemeClr val="tx1">
+                  <a:lumMod val="95000"/>
+                  <a:lumOff val="5000"/>
+                </a:schemeClr>
+              </a:solidFill>
+            </a:endParaRPr>
+          </a:p>
+        </p:txBody>
+      </p:sp>
+      <p:pic>
+        <p:nvPicPr>
+          <p:cNvPr id="15" name="Imagen 14">
+            <a:extLst>
+              <a:ext uri="{FF2B5EF4-FFF2-40B4-BE49-F238E27FC236}">
+                <a16:creationId xmlns:a16="http://schemas.microsoft.com/office/drawing/2014/main" id="{8FA9E225-2FFB-4C1E-A4C0-47ED12BABE21}"/>
+              </a:ext>
+            </a:extLst>
+          </p:cNvPr>
+          <p:cNvPicPr>
+            <a:picLocks noChangeAspect="1"/>
+          </p:cNvPicPr>
+          <p:nvPr/>
+        </p:nvPicPr>
+        <p:blipFill>
+          <a:blip r:embed="rId3">
+            <a:extLst>
+              <a:ext uri="{28A0092B-C50C-407E-A947-70E740481C1C}">
+                <a14:useLocalDpi xmlns:a14="http://schemas.microsoft.com/office/drawing/2010/main" val="0"/>
+              </a:ext>
+            </a:extLst>
+          </a:blip>
+          <a:srcRect/>
+          <a:stretch/>
+        </p:blipFill>
+        <p:spPr>
+          <a:xfrm>
+            <a:off x="4591096" y="654228"/>
+            <a:ext cx="1429051" cy="1190875"/>
+          </a:xfrm>
+          <a:prstGeom prst="rect">
+            <a:avLst/>
+          </a:prstGeom>
+        </p:spPr>
+      </p:pic>
+      <p:sp>
+        <p:nvSpPr>
+          <p:cNvPr id="26" name="CuadroTexto 25">
+            <a:extLst>
+              <a:ext uri="{FF2B5EF4-FFF2-40B4-BE49-F238E27FC236}">
+                <a16:creationId xmlns:a16="http://schemas.microsoft.com/office/drawing/2014/main" id="{16A11577-6C05-4A86-A02D-9E9700D0ADB5}"/>
+              </a:ext>
+            </a:extLst>
+          </p:cNvPr>
+          <p:cNvSpPr txBox="1"/>
+          <p:nvPr/>
+        </p:nvSpPr>
+        <p:spPr>
+          <a:xfrm>
+            <a:off x="4387517" y="1957774"/>
+            <a:ext cx="1836208" cy="369332"/>
+          </a:xfrm>
+          <a:prstGeom prst="rect">
+            <a:avLst/>
+          </a:prstGeom>
+          <a:noFill/>
+        </p:spPr>
+        <p:txBody>
+          <a:bodyPr wrap="none" rtlCol="0">
+            <a:spAutoFit/>
+          </a:bodyPr>
+          <a:lstStyle/>
+          <a:p>
+            <a:r>
+              <a:rPr lang="es-MX" dirty="0">
+                <a:solidFill>
+                  <a:schemeClr val="bg1"/>
+                </a:solidFill>
+                <a:latin typeface="Roboto" pitchFamily="2" charset="0"/>
+                <a:ea typeface="Roboto" pitchFamily="2" charset="0"/>
+              </a:rPr>
+              <a:t>INICIAR SESION</a:t>
+            </a:r>
+          </a:p>
+        </p:txBody>
+      </p:sp>
+      <p:sp>
+        <p:nvSpPr>
+          <p:cNvPr id="19" name="Rectángulo 18">
+            <a:extLst>
+              <a:ext uri="{FF2B5EF4-FFF2-40B4-BE49-F238E27FC236}">
+                <a16:creationId xmlns:a16="http://schemas.microsoft.com/office/drawing/2014/main" id="{D39DA397-37C9-4430-BA2E-24BF76607B77}"/>
+              </a:ext>
+            </a:extLst>
+          </p:cNvPr>
+          <p:cNvSpPr/>
+          <p:nvPr/>
+        </p:nvSpPr>
+        <p:spPr>
+          <a:xfrm>
+            <a:off x="4456961" y="2516800"/>
+            <a:ext cx="862614" cy="305099"/>
+          </a:xfrm>
+          <a:prstGeom prst="rect">
+            <a:avLst/>
+          </a:prstGeom>
+          <a:solidFill>
+            <a:srgbClr val="E7E7E7"/>
+          </a:solidFill>
+          <a:ln>
+            <a:noFill/>
+          </a:ln>
+        </p:spPr>
+        <p:style>
+          <a:lnRef idx="2">
+            <a:schemeClr val="accent6"/>
+          </a:lnRef>
+          <a:fillRef idx="1">
+            <a:schemeClr val="lt1"/>
+          </a:fillRef>
+          <a:effectRef idx="0">
+            <a:schemeClr val="accent6"/>
+          </a:effectRef>
+          <a:fontRef idx="minor">
+            <a:schemeClr val="dk1"/>
+          </a:fontRef>
+        </p:style>
+        <p:txBody>
+          <a:bodyPr rtlCol="0" anchor="ctr"/>
+          <a:lstStyle/>
+          <a:p>
+            <a:pPr algn="ctr"/>
+            <a:endParaRPr lang="es-MX"/>
+          </a:p>
+        </p:txBody>
+      </p:sp>
+      <p:sp>
+        <p:nvSpPr>
+          <p:cNvPr id="21" name="CuadroTexto 20">
+            <a:extLst>
+              <a:ext uri="{FF2B5EF4-FFF2-40B4-BE49-F238E27FC236}">
+                <a16:creationId xmlns:a16="http://schemas.microsoft.com/office/drawing/2014/main" id="{6FF9A033-C715-4945-AEE4-D2123F824E8E}"/>
+              </a:ext>
+            </a:extLst>
+          </p:cNvPr>
+          <p:cNvSpPr txBox="1"/>
+          <p:nvPr/>
+        </p:nvSpPr>
+        <p:spPr>
+          <a:xfrm>
+            <a:off x="4468030" y="2558396"/>
+            <a:ext cx="837591" cy="261610"/>
+          </a:xfrm>
+          <a:prstGeom prst="rect">
+            <a:avLst/>
+          </a:prstGeom>
+          <a:noFill/>
+          <a:ln>
+            <a:noFill/>
+          </a:ln>
+        </p:spPr>
+        <p:txBody>
+          <a:bodyPr wrap="square" rtlCol="0">
+            <a:spAutoFit/>
+          </a:bodyPr>
+          <a:lstStyle/>
+          <a:p>
+            <a:pPr algn="ctr"/>
+            <a:r>
+              <a:rPr lang="es-MX" sz="1100" dirty="0">
+                <a:solidFill>
+                  <a:srgbClr val="424242"/>
+                </a:solidFill>
+                <a:latin typeface="Roboto" pitchFamily="2" charset="0"/>
+                <a:ea typeface="Roboto" pitchFamily="2" charset="0"/>
+              </a:rPr>
+              <a:t>Usuario</a:t>
+            </a:r>
+          </a:p>
+        </p:txBody>
+      </p:sp>
+      <p:sp>
+        <p:nvSpPr>
+          <p:cNvPr id="22" name="CuadroTexto 21">
+            <a:extLst>
+              <a:ext uri="{FF2B5EF4-FFF2-40B4-BE49-F238E27FC236}">
+                <a16:creationId xmlns:a16="http://schemas.microsoft.com/office/drawing/2014/main" id="{A9C8607F-E2B2-4C3B-815E-44B6ACE525EA}"/>
+              </a:ext>
+            </a:extLst>
+          </p:cNvPr>
+          <p:cNvSpPr txBox="1"/>
+          <p:nvPr/>
+        </p:nvSpPr>
+        <p:spPr>
+          <a:xfrm>
+            <a:off x="5366326" y="2545433"/>
+            <a:ext cx="837591" cy="261610"/>
+          </a:xfrm>
+          <a:prstGeom prst="rect">
+            <a:avLst/>
+          </a:prstGeom>
+          <a:noFill/>
+          <a:ln>
+            <a:noFill/>
+          </a:ln>
+        </p:spPr>
+        <p:txBody>
+          <a:bodyPr wrap="square" rtlCol="0">
+            <a:spAutoFit/>
+          </a:bodyPr>
+          <a:lstStyle/>
+          <a:p>
+            <a:pPr algn="ctr"/>
+            <a:r>
+              <a:rPr lang="es-MX" sz="1100" dirty="0">
+                <a:solidFill>
+                  <a:srgbClr val="424242"/>
+                </a:solidFill>
+                <a:latin typeface="Roboto" pitchFamily="2" charset="0"/>
+                <a:ea typeface="Roboto" pitchFamily="2" charset="0"/>
+              </a:rPr>
+              <a:t>Pin</a:t>
+            </a:r>
+          </a:p>
+        </p:txBody>
+      </p:sp>
+      <p:sp>
+        <p:nvSpPr>
+          <p:cNvPr id="24" name="CuadroTexto 23">
+            <a:extLst>
+              <a:ext uri="{FF2B5EF4-FFF2-40B4-BE49-F238E27FC236}">
+                <a16:creationId xmlns:a16="http://schemas.microsoft.com/office/drawing/2014/main" id="{5AF48654-A161-4D8E-A020-9DB34CF00157}"/>
+              </a:ext>
+            </a:extLst>
+          </p:cNvPr>
+          <p:cNvSpPr txBox="1"/>
+          <p:nvPr/>
+        </p:nvSpPr>
+        <p:spPr>
+          <a:xfrm>
+            <a:off x="4387517" y="1955720"/>
+            <a:ext cx="1836208" cy="369332"/>
+          </a:xfrm>
+          <a:prstGeom prst="rect">
+            <a:avLst/>
+          </a:prstGeom>
+          <a:noFill/>
+        </p:spPr>
+        <p:txBody>
+          <a:bodyPr wrap="none" rtlCol="0">
+            <a:spAutoFit/>
+          </a:bodyPr>
+          <a:lstStyle/>
+          <a:p>
+            <a:r>
+              <a:rPr lang="es-MX" dirty="0">
+                <a:solidFill>
+                  <a:srgbClr val="424242"/>
+                </a:solidFill>
+                <a:latin typeface="Roboto" pitchFamily="2" charset="0"/>
+                <a:ea typeface="Roboto" pitchFamily="2" charset="0"/>
+              </a:rPr>
+              <a:t>INICIAR SESION</a:t>
+            </a:r>
+          </a:p>
+        </p:txBody>
+      </p:sp>
+    </p:spTree>
+    <p:extLst>
+      <p:ext uri="{BB962C8B-B14F-4D97-AF65-F5344CB8AC3E}">
+        <p14:creationId xmlns:p14="http://schemas.microsoft.com/office/powerpoint/2010/main" val="480158164"/>
       </p:ext>
     </p:extLst>
   </p:cSld>

--- a/UI.pptx
+++ b/UI.pptx
@@ -5270,7 +5270,10 @@
           <a:lstStyle/>
           <a:p>
             <a:pPr algn="ctr"/>
-            <a:endParaRPr lang="es-MX" dirty="0"/>
+            <a:r>
+              <a:rPr lang="es-MX" dirty="0"/>
+              <a:t>#1f1f1f</a:t>
+            </a:r>
           </a:p>
         </p:txBody>
       </p:sp>
@@ -5322,7 +5325,10 @@
           <a:lstStyle/>
           <a:p>
             <a:pPr algn="ctr"/>
-            <a:endParaRPr lang="es-MX" dirty="0"/>
+            <a:r>
+              <a:rPr lang="es-MX" dirty="0"/>
+              <a:t>#ffd000</a:t>
+            </a:r>
           </a:p>
         </p:txBody>
       </p:sp>
@@ -5374,14 +5380,17 @@
           <a:lstStyle/>
           <a:p>
             <a:pPr algn="ctr"/>
-            <a:endParaRPr lang="es-MX" dirty="0">
-              <a:solidFill>
-                <a:schemeClr val="tx1">
-                  <a:lumMod val="95000"/>
-                  <a:lumOff val="5000"/>
-                </a:schemeClr>
-              </a:solidFill>
-            </a:endParaRPr>
+            <a:r>
+              <a:rPr lang="es-MX" dirty="0">
+                <a:solidFill>
+                  <a:schemeClr val="tx1">
+                    <a:lumMod val="95000"/>
+                    <a:lumOff val="5000"/>
+                  </a:schemeClr>
+                </a:solidFill>
+              </a:rPr>
+              <a:t>#e7e7e7</a:t>
+            </a:r>
           </a:p>
         </p:txBody>
       </p:sp>

--- a/UI.pptx
+++ b/UI.pptx
@@ -263,7 +263,7 @@
           <a:p>
             <a:fld id="{09850A1F-9877-4EC3-8E04-4C1F957B810E}" type="datetimeFigureOut">
               <a:rPr lang="es-MX" smtClean="0"/>
-              <a:t>23/11/2019</a:t>
+              <a:t>26/11/2019</a:t>
             </a:fld>
             <a:endParaRPr lang="es-MX"/>
           </a:p>
@@ -463,7 +463,7 @@
           <a:p>
             <a:fld id="{09850A1F-9877-4EC3-8E04-4C1F957B810E}" type="datetimeFigureOut">
               <a:rPr lang="es-MX" smtClean="0"/>
-              <a:t>23/11/2019</a:t>
+              <a:t>26/11/2019</a:t>
             </a:fld>
             <a:endParaRPr lang="es-MX"/>
           </a:p>
@@ -673,7 +673,7 @@
           <a:p>
             <a:fld id="{09850A1F-9877-4EC3-8E04-4C1F957B810E}" type="datetimeFigureOut">
               <a:rPr lang="es-MX" smtClean="0"/>
-              <a:t>23/11/2019</a:t>
+              <a:t>26/11/2019</a:t>
             </a:fld>
             <a:endParaRPr lang="es-MX"/>
           </a:p>
@@ -873,7 +873,7 @@
           <a:p>
             <a:fld id="{09850A1F-9877-4EC3-8E04-4C1F957B810E}" type="datetimeFigureOut">
               <a:rPr lang="es-MX" smtClean="0"/>
-              <a:t>23/11/2019</a:t>
+              <a:t>26/11/2019</a:t>
             </a:fld>
             <a:endParaRPr lang="es-MX"/>
           </a:p>
@@ -1149,7 +1149,7 @@
           <a:p>
             <a:fld id="{09850A1F-9877-4EC3-8E04-4C1F957B810E}" type="datetimeFigureOut">
               <a:rPr lang="es-MX" smtClean="0"/>
-              <a:t>23/11/2019</a:t>
+              <a:t>26/11/2019</a:t>
             </a:fld>
             <a:endParaRPr lang="es-MX"/>
           </a:p>
@@ -1417,7 +1417,7 @@
           <a:p>
             <a:fld id="{09850A1F-9877-4EC3-8E04-4C1F957B810E}" type="datetimeFigureOut">
               <a:rPr lang="es-MX" smtClean="0"/>
-              <a:t>23/11/2019</a:t>
+              <a:t>26/11/2019</a:t>
             </a:fld>
             <a:endParaRPr lang="es-MX"/>
           </a:p>
@@ -1832,7 +1832,7 @@
           <a:p>
             <a:fld id="{09850A1F-9877-4EC3-8E04-4C1F957B810E}" type="datetimeFigureOut">
               <a:rPr lang="es-MX" smtClean="0"/>
-              <a:t>23/11/2019</a:t>
+              <a:t>26/11/2019</a:t>
             </a:fld>
             <a:endParaRPr lang="es-MX"/>
           </a:p>
@@ -1974,7 +1974,7 @@
           <a:p>
             <a:fld id="{09850A1F-9877-4EC3-8E04-4C1F957B810E}" type="datetimeFigureOut">
               <a:rPr lang="es-MX" smtClean="0"/>
-              <a:t>23/11/2019</a:t>
+              <a:t>26/11/2019</a:t>
             </a:fld>
             <a:endParaRPr lang="es-MX"/>
           </a:p>
@@ -2087,7 +2087,7 @@
           <a:p>
             <a:fld id="{09850A1F-9877-4EC3-8E04-4C1F957B810E}" type="datetimeFigureOut">
               <a:rPr lang="es-MX" smtClean="0"/>
-              <a:t>23/11/2019</a:t>
+              <a:t>26/11/2019</a:t>
             </a:fld>
             <a:endParaRPr lang="es-MX"/>
           </a:p>
@@ -2400,7 +2400,7 @@
           <a:p>
             <a:fld id="{09850A1F-9877-4EC3-8E04-4C1F957B810E}" type="datetimeFigureOut">
               <a:rPr lang="es-MX" smtClean="0"/>
-              <a:t>23/11/2019</a:t>
+              <a:t>26/11/2019</a:t>
             </a:fld>
             <a:endParaRPr lang="es-MX"/>
           </a:p>
@@ -2689,7 +2689,7 @@
           <a:p>
             <a:fld id="{09850A1F-9877-4EC3-8E04-4C1F957B810E}" type="datetimeFigureOut">
               <a:rPr lang="es-MX" smtClean="0"/>
-              <a:t>23/11/2019</a:t>
+              <a:t>26/11/2019</a:t>
             </a:fld>
             <a:endParaRPr lang="es-MX"/>
           </a:p>
@@ -2932,7 +2932,7 @@
           <a:p>
             <a:fld id="{09850A1F-9877-4EC3-8E04-4C1F957B810E}" type="datetimeFigureOut">
               <a:rPr lang="es-MX" smtClean="0"/>
-              <a:t>23/11/2019</a:t>
+              <a:t>26/11/2019</a:t>
             </a:fld>
             <a:endParaRPr lang="es-MX"/>
           </a:p>
